--- a/CAP_SAC_workshop.pptx
+++ b/CAP_SAC_workshop.pptx
@@ -5,27 +5,28 @@
     <p:sldMasterId id="2147483660" r:id="rId1"/>
   </p:sldMasterIdLst>
   <p:notesMasterIdLst>
-    <p:notesMasterId r:id="rId20"/>
+    <p:notesMasterId r:id="rId21"/>
   </p:notesMasterIdLst>
   <p:sldIdLst>
     <p:sldId id="256" r:id="rId2"/>
     <p:sldId id="258" r:id="rId3"/>
     <p:sldId id="271" r:id="rId4"/>
     <p:sldId id="260" r:id="rId5"/>
-    <p:sldId id="274" r:id="rId6"/>
-    <p:sldId id="275" r:id="rId7"/>
-    <p:sldId id="276" r:id="rId8"/>
-    <p:sldId id="272" r:id="rId9"/>
-    <p:sldId id="273" r:id="rId10"/>
-    <p:sldId id="262" r:id="rId11"/>
-    <p:sldId id="261" r:id="rId12"/>
-    <p:sldId id="277" r:id="rId13"/>
-    <p:sldId id="263" r:id="rId14"/>
-    <p:sldId id="269" r:id="rId15"/>
-    <p:sldId id="267" r:id="rId16"/>
-    <p:sldId id="268" r:id="rId17"/>
-    <p:sldId id="266" r:id="rId18"/>
-    <p:sldId id="270" r:id="rId19"/>
+    <p:sldId id="278" r:id="rId6"/>
+    <p:sldId id="274" r:id="rId7"/>
+    <p:sldId id="275" r:id="rId8"/>
+    <p:sldId id="276" r:id="rId9"/>
+    <p:sldId id="272" r:id="rId10"/>
+    <p:sldId id="273" r:id="rId11"/>
+    <p:sldId id="262" r:id="rId12"/>
+    <p:sldId id="261" r:id="rId13"/>
+    <p:sldId id="277" r:id="rId14"/>
+    <p:sldId id="263" r:id="rId15"/>
+    <p:sldId id="269" r:id="rId16"/>
+    <p:sldId id="267" r:id="rId17"/>
+    <p:sldId id="268" r:id="rId18"/>
+    <p:sldId id="266" r:id="rId19"/>
+    <p:sldId id="270" r:id="rId20"/>
   </p:sldIdLst>
   <p:sldSz cx="12192000" cy="6858000"/>
   <p:notesSz cx="6858000" cy="9144000"/>
@@ -4391,7 +4392,7 @@
           <p:cNvPr id="2" name="Title 1">
             <a:extLst>
               <a:ext uri="{FF2B5EF4-FFF2-40B4-BE49-F238E27FC236}">
-                <a16:creationId xmlns:a16="http://schemas.microsoft.com/office/drawing/2014/main" id="{5D85875F-05C1-7079-93B3-F1A61851C12E}"/>
+                <a16:creationId xmlns:a16="http://schemas.microsoft.com/office/drawing/2014/main" id="{CC4C35FD-9820-224B-7FE4-042B6E2992F8}"/>
               </a:ext>
             </a:extLst>
           </p:cNvPr>
@@ -4409,7 +4410,7 @@
           <a:p>
             <a:r>
               <a:rPr lang="en-CA" dirty="0"/>
-              <a:t>Python basics – Examples </a:t>
+              <a:t>Python basics – Helpful tips</a:t>
             </a:r>
           </a:p>
         </p:txBody>
@@ -4419,7 +4420,7 @@
           <p:cNvPr id="3" name="Content Placeholder 2">
             <a:extLst>
               <a:ext uri="{FF2B5EF4-FFF2-40B4-BE49-F238E27FC236}">
-                <a16:creationId xmlns:a16="http://schemas.microsoft.com/office/drawing/2014/main" id="{8126930B-D933-0F66-873A-B188AF95FFD9}"/>
+                <a16:creationId xmlns:a16="http://schemas.microsoft.com/office/drawing/2014/main" id="{C7BC705A-E416-317C-D160-961F41B9C359}"/>
               </a:ext>
             </a:extLst>
           </p:cNvPr>
@@ -4436,55 +4437,45 @@
           <a:lstStyle/>
           <a:p>
             <a:r>
-              <a:rPr lang="en-CA" dirty="0"/>
-              <a:t>See .</a:t>
-            </a:r>
-            <a:r>
-              <a:rPr lang="en-CA" dirty="0" err="1"/>
-              <a:t>ipynb</a:t>
-            </a:r>
-            <a:r>
-              <a:rPr lang="en-CA" dirty="0"/>
-              <a:t> or .</a:t>
-            </a:r>
-            <a:r>
-              <a:rPr lang="en-CA" dirty="0" err="1"/>
-              <a:t>py</a:t>
-            </a:r>
-            <a:r>
-              <a:rPr lang="en-CA" dirty="0"/>
-              <a:t> files on </a:t>
-            </a:r>
-            <a:r>
-              <a:rPr lang="en-CA" dirty="0" err="1"/>
-              <a:t>Github</a:t>
-            </a:r>
-            <a:r>
-              <a:rPr lang="en-CA" dirty="0"/>
-              <a:t> for some Python basics and examples that might help you with the problem: </a:t>
-            </a:r>
-            <a:r>
               <a:rPr lang="en-CA" dirty="0">
-                <a:hlinkClick r:id="rId2"/>
+                <a:latin typeface="Gill Sans MT" panose="020B0502020104020203" pitchFamily="34" charset="77"/>
+                <a:ea typeface="Menlo" panose="020B0609030804020204" pitchFamily="49" charset="0"/>
+                <a:cs typeface="Menlo" panose="020B0609030804020204" pitchFamily="49" charset="0"/>
               </a:rPr>
-              <a:t>https://github.com/efletcher/CAP_SAC_Workshop</a:t>
-            </a:r>
-            <a:endParaRPr lang="en-CA" dirty="0"/>
-          </a:p>
-          <a:p>
-            <a:r>
-              <a:rPr lang="en-CA" dirty="0"/>
-              <a:t>These examples use python3, if you’re using python2 some things may need to be adapted (but you really should be using python3!)</a:t>
-            </a:r>
-          </a:p>
-        </p:txBody>
-      </p:sp>
-      <p:sp>
-        <p:nvSpPr>
-          <p:cNvPr id="5" name="Footer Placeholder 4">
+              <a:t>Python is picky about spaces and indenting!</a:t>
+            </a:r>
+          </a:p>
+          <a:p>
+            <a:r>
+              <a:rPr lang="en-CA" dirty="0">
+                <a:latin typeface="Gill Sans MT" panose="020B0502020104020203" pitchFamily="34" charset="77"/>
+                <a:ea typeface="Menlo" panose="020B0609030804020204" pitchFamily="49" charset="0"/>
+                <a:cs typeface="Menlo" panose="020B0609030804020204" pitchFamily="49" charset="0"/>
+              </a:rPr>
+              <a:t>Indents are represented by four spaces</a:t>
+            </a:r>
+          </a:p>
+          <a:p>
+            <a:r>
+              <a:rPr lang="en-CA" dirty="0">
+                <a:latin typeface="Gill Sans MT" panose="020B0502020104020203" pitchFamily="34" charset="77"/>
+                <a:ea typeface="Menlo" panose="020B0609030804020204" pitchFamily="49" charset="0"/>
+                <a:cs typeface="Menlo" panose="020B0609030804020204" pitchFamily="49" charset="0"/>
+              </a:rPr>
+              <a:t>When writing functions or loops, be very careful to make sure things are indented correctly, or you might get errors or unexpected results</a:t>
+            </a:r>
+            <a:endParaRPr lang="en-CA" dirty="0">
+              <a:latin typeface="Gill Sans MT" panose="020B0502020104020203" pitchFamily="34" charset="77"/>
+            </a:endParaRPr>
+          </a:p>
+        </p:txBody>
+      </p:sp>
+      <p:sp>
+        <p:nvSpPr>
+          <p:cNvPr id="4" name="Footer Placeholder 3">
             <a:extLst>
               <a:ext uri="{FF2B5EF4-FFF2-40B4-BE49-F238E27FC236}">
-                <a16:creationId xmlns:a16="http://schemas.microsoft.com/office/drawing/2014/main" id="{CCB5CD41-B155-98FD-0CF6-C9EC12013E73}"/>
+                <a16:creationId xmlns:a16="http://schemas.microsoft.com/office/drawing/2014/main" id="{9586AF42-7B86-F03F-05AB-58BC49576DD5}"/>
               </a:ext>
             </a:extLst>
           </p:cNvPr>
@@ -4509,10 +4500,10 @@
       </p:sp>
       <p:sp>
         <p:nvSpPr>
-          <p:cNvPr id="6" name="Slide Number Placeholder 5">
+          <p:cNvPr id="5" name="Slide Number Placeholder 4">
             <a:extLst>
               <a:ext uri="{FF2B5EF4-FFF2-40B4-BE49-F238E27FC236}">
-                <a16:creationId xmlns:a16="http://schemas.microsoft.com/office/drawing/2014/main" id="{B8CF24F9-5C5F-7702-5709-475538625D1F}"/>
+                <a16:creationId xmlns:a16="http://schemas.microsoft.com/office/drawing/2014/main" id="{15BCB09A-F690-CC4D-74D9-564784847DE5}"/>
               </a:ext>
             </a:extLst>
           </p:cNvPr>
@@ -4538,10 +4529,10 @@
       </p:sp>
       <p:sp>
         <p:nvSpPr>
-          <p:cNvPr id="10" name="Rectangle 9">
+          <p:cNvPr id="6" name="Rectangle 5">
             <a:extLst>
               <a:ext uri="{FF2B5EF4-FFF2-40B4-BE49-F238E27FC236}">
-                <a16:creationId xmlns:a16="http://schemas.microsoft.com/office/drawing/2014/main" id="{5969E5C2-288D-344F-80E1-69C01CB29270}"/>
+                <a16:creationId xmlns:a16="http://schemas.microsoft.com/office/drawing/2014/main" id="{10E5499D-6DA4-23ED-0692-7960A4DE6066}"/>
               </a:ext>
             </a:extLst>
           </p:cNvPr>
@@ -4587,10 +4578,10 @@
       </p:sp>
       <p:sp>
         <p:nvSpPr>
-          <p:cNvPr id="11" name="Rectangle 10">
+          <p:cNvPr id="7" name="Rectangle 6">
             <a:extLst>
               <a:ext uri="{FF2B5EF4-FFF2-40B4-BE49-F238E27FC236}">
-                <a16:creationId xmlns:a16="http://schemas.microsoft.com/office/drawing/2014/main" id="{9EE3F918-EC26-DA8E-F962-40F2EC0D333B}"/>
+                <a16:creationId xmlns:a16="http://schemas.microsoft.com/office/drawing/2014/main" id="{29ACD2B7-5D40-617D-0DFD-65D887158269}"/>
               </a:ext>
             </a:extLst>
           </p:cNvPr>
@@ -4637,10 +4628,10 @@
       </p:sp>
       <p:sp>
         <p:nvSpPr>
-          <p:cNvPr id="12" name="Rectangle 11">
+          <p:cNvPr id="8" name="Rectangle 7">
             <a:extLst>
               <a:ext uri="{FF2B5EF4-FFF2-40B4-BE49-F238E27FC236}">
-                <a16:creationId xmlns:a16="http://schemas.microsoft.com/office/drawing/2014/main" id="{4F5772F4-B123-FD89-89D7-9BF33C054535}"/>
+                <a16:creationId xmlns:a16="http://schemas.microsoft.com/office/drawing/2014/main" id="{E05EBD4E-4201-1DB5-8EB2-A6E09FA404CE}"/>
               </a:ext>
             </a:extLst>
           </p:cNvPr>
@@ -4687,7 +4678,7 @@
     </p:spTree>
     <p:extLst>
       <p:ext uri="{BB962C8B-B14F-4D97-AF65-F5344CB8AC3E}">
-        <p14:creationId xmlns:p14="http://schemas.microsoft.com/office/powerpoint/2010/main" val="1444736319"/>
+        <p14:creationId xmlns:p14="http://schemas.microsoft.com/office/powerpoint/2010/main" val="893246959"/>
       </p:ext>
     </p:extLst>
   </p:cSld>
@@ -4737,6 +4728,334 @@
           <a:p>
             <a:r>
               <a:rPr lang="en-CA" dirty="0"/>
+              <a:t>Python basics – Examples </a:t>
+            </a:r>
+          </a:p>
+        </p:txBody>
+      </p:sp>
+      <p:sp>
+        <p:nvSpPr>
+          <p:cNvPr id="3" name="Content Placeholder 2">
+            <a:extLst>
+              <a:ext uri="{FF2B5EF4-FFF2-40B4-BE49-F238E27FC236}">
+                <a16:creationId xmlns:a16="http://schemas.microsoft.com/office/drawing/2014/main" id="{8126930B-D933-0F66-873A-B188AF95FFD9}"/>
+              </a:ext>
+            </a:extLst>
+          </p:cNvPr>
+          <p:cNvSpPr>
+            <a:spLocks noGrp="1"/>
+          </p:cNvSpPr>
+          <p:nvPr>
+            <p:ph idx="1"/>
+          </p:nvPr>
+        </p:nvSpPr>
+        <p:spPr/>
+        <p:txBody>
+          <a:bodyPr/>
+          <a:lstStyle/>
+          <a:p>
+            <a:r>
+              <a:rPr lang="en-CA" dirty="0"/>
+              <a:t>See .</a:t>
+            </a:r>
+            <a:r>
+              <a:rPr lang="en-CA" dirty="0" err="1"/>
+              <a:t>ipynb</a:t>
+            </a:r>
+            <a:r>
+              <a:rPr lang="en-CA" dirty="0"/>
+              <a:t> or .</a:t>
+            </a:r>
+            <a:r>
+              <a:rPr lang="en-CA" dirty="0" err="1"/>
+              <a:t>py</a:t>
+            </a:r>
+            <a:r>
+              <a:rPr lang="en-CA" dirty="0"/>
+              <a:t> files on </a:t>
+            </a:r>
+            <a:r>
+              <a:rPr lang="en-CA" dirty="0" err="1"/>
+              <a:t>Github</a:t>
+            </a:r>
+            <a:r>
+              <a:rPr lang="en-CA" dirty="0"/>
+              <a:t> for some Python basics and examples that might help you with the problem: </a:t>
+            </a:r>
+            <a:r>
+              <a:rPr lang="en-CA" dirty="0">
+                <a:hlinkClick r:id="rId2"/>
+              </a:rPr>
+              <a:t>https://github.com/efletcher/CAP_SAC_Workshop</a:t>
+            </a:r>
+            <a:endParaRPr lang="en-CA" dirty="0"/>
+          </a:p>
+          <a:p>
+            <a:r>
+              <a:rPr lang="en-CA" dirty="0"/>
+              <a:t>These examples use python3, if you’re using python2 some things may need to be adapted (but you really should be using python3!)</a:t>
+            </a:r>
+          </a:p>
+        </p:txBody>
+      </p:sp>
+      <p:sp>
+        <p:nvSpPr>
+          <p:cNvPr id="5" name="Footer Placeholder 4">
+            <a:extLst>
+              <a:ext uri="{FF2B5EF4-FFF2-40B4-BE49-F238E27FC236}">
+                <a16:creationId xmlns:a16="http://schemas.microsoft.com/office/drawing/2014/main" id="{CCB5CD41-B155-98FD-0CF6-C9EC12013E73}"/>
+              </a:ext>
+            </a:extLst>
+          </p:cNvPr>
+          <p:cNvSpPr>
+            <a:spLocks noGrp="1"/>
+          </p:cNvSpPr>
+          <p:nvPr>
+            <p:ph type="ftr" sz="quarter" idx="11"/>
+          </p:nvPr>
+        </p:nvSpPr>
+        <p:spPr/>
+        <p:txBody>
+          <a:bodyPr/>
+          <a:lstStyle/>
+          <a:p>
+            <a:r>
+              <a:rPr lang="en-CA"/>
+              <a:t>Liz Fletcher - CAP SAC Hackathon Workshop</a:t>
+            </a:r>
+          </a:p>
+        </p:txBody>
+      </p:sp>
+      <p:sp>
+        <p:nvSpPr>
+          <p:cNvPr id="6" name="Slide Number Placeholder 5">
+            <a:extLst>
+              <a:ext uri="{FF2B5EF4-FFF2-40B4-BE49-F238E27FC236}">
+                <a16:creationId xmlns:a16="http://schemas.microsoft.com/office/drawing/2014/main" id="{B8CF24F9-5C5F-7702-5709-475538625D1F}"/>
+              </a:ext>
+            </a:extLst>
+          </p:cNvPr>
+          <p:cNvSpPr>
+            <a:spLocks noGrp="1"/>
+          </p:cNvSpPr>
+          <p:nvPr>
+            <p:ph type="sldNum" sz="quarter" idx="12"/>
+          </p:nvPr>
+        </p:nvSpPr>
+        <p:spPr/>
+        <p:txBody>
+          <a:bodyPr/>
+          <a:lstStyle/>
+          <a:p>
+            <a:fld id="{943C7479-2480-3F4B-AD95-735B3F38F7AD}" type="slidenum">
+              <a:rPr lang="en-CA" smtClean="0"/>
+              <a:t>11</a:t>
+            </a:fld>
+            <a:endParaRPr lang="en-CA"/>
+          </a:p>
+        </p:txBody>
+      </p:sp>
+      <p:sp>
+        <p:nvSpPr>
+          <p:cNvPr id="10" name="Rectangle 9">
+            <a:extLst>
+              <a:ext uri="{FF2B5EF4-FFF2-40B4-BE49-F238E27FC236}">
+                <a16:creationId xmlns:a16="http://schemas.microsoft.com/office/drawing/2014/main" id="{5969E5C2-288D-344F-80E1-69C01CB29270}"/>
+              </a:ext>
+            </a:extLst>
+          </p:cNvPr>
+          <p:cNvSpPr/>
+          <p:nvPr/>
+        </p:nvSpPr>
+        <p:spPr>
+          <a:xfrm>
+            <a:off x="446534" y="457200"/>
+            <a:ext cx="3703320" cy="94997"/>
+          </a:xfrm>
+          <a:prstGeom prst="rect">
+            <a:avLst/>
+          </a:prstGeom>
+          <a:solidFill>
+            <a:schemeClr val="accent1"/>
+          </a:solidFill>
+          <a:ln>
+            <a:noFill/>
+          </a:ln>
+        </p:spPr>
+        <p:style>
+          <a:lnRef idx="0">
+            <a:scrgbClr r="0" g="0" b="0"/>
+          </a:lnRef>
+          <a:fillRef idx="0">
+            <a:scrgbClr r="0" g="0" b="0"/>
+          </a:fillRef>
+          <a:effectRef idx="0">
+            <a:scrgbClr r="0" g="0" b="0"/>
+          </a:effectRef>
+          <a:fontRef idx="minor">
+            <a:schemeClr val="lt1"/>
+          </a:fontRef>
+        </p:style>
+        <p:txBody>
+          <a:bodyPr/>
+          <a:lstStyle/>
+          <a:p>
+            <a:endParaRPr lang="en-CA"/>
+          </a:p>
+        </p:txBody>
+      </p:sp>
+      <p:sp>
+        <p:nvSpPr>
+          <p:cNvPr id="11" name="Rectangle 10">
+            <a:extLst>
+              <a:ext uri="{FF2B5EF4-FFF2-40B4-BE49-F238E27FC236}">
+                <a16:creationId xmlns:a16="http://schemas.microsoft.com/office/drawing/2014/main" id="{9EE3F918-EC26-DA8E-F962-40F2EC0D333B}"/>
+              </a:ext>
+            </a:extLst>
+          </p:cNvPr>
+          <p:cNvSpPr/>
+          <p:nvPr/>
+        </p:nvSpPr>
+        <p:spPr>
+          <a:xfrm>
+            <a:off x="8042147" y="453643"/>
+            <a:ext cx="3703320" cy="98554"/>
+          </a:xfrm>
+          <a:prstGeom prst="rect">
+            <a:avLst/>
+          </a:prstGeom>
+          <a:solidFill>
+            <a:schemeClr val="accent2"/>
+          </a:solidFill>
+          <a:ln>
+            <a:noFill/>
+          </a:ln>
+          <a:effectLst/>
+        </p:spPr>
+        <p:style>
+          <a:lnRef idx="1">
+            <a:schemeClr val="accent1"/>
+          </a:lnRef>
+          <a:fillRef idx="3">
+            <a:schemeClr val="accent1"/>
+          </a:fillRef>
+          <a:effectRef idx="2">
+            <a:schemeClr val="accent1"/>
+          </a:effectRef>
+          <a:fontRef idx="minor">
+            <a:schemeClr val="lt1"/>
+          </a:fontRef>
+        </p:style>
+        <p:txBody>
+          <a:bodyPr/>
+          <a:lstStyle/>
+          <a:p>
+            <a:endParaRPr lang="en-CA"/>
+          </a:p>
+        </p:txBody>
+      </p:sp>
+      <p:sp>
+        <p:nvSpPr>
+          <p:cNvPr id="12" name="Rectangle 11">
+            <a:extLst>
+              <a:ext uri="{FF2B5EF4-FFF2-40B4-BE49-F238E27FC236}">
+                <a16:creationId xmlns:a16="http://schemas.microsoft.com/office/drawing/2014/main" id="{4F5772F4-B123-FD89-89D7-9BF33C054535}"/>
+              </a:ext>
+            </a:extLst>
+          </p:cNvPr>
+          <p:cNvSpPr/>
+          <p:nvPr/>
+        </p:nvSpPr>
+        <p:spPr>
+          <a:xfrm>
+            <a:off x="4241830" y="457200"/>
+            <a:ext cx="3703320" cy="91440"/>
+          </a:xfrm>
+          <a:prstGeom prst="rect">
+            <a:avLst/>
+          </a:prstGeom>
+          <a:solidFill>
+            <a:schemeClr val="accent2"/>
+          </a:solidFill>
+          <a:ln>
+            <a:noFill/>
+          </a:ln>
+        </p:spPr>
+        <p:style>
+          <a:lnRef idx="0">
+            <a:scrgbClr r="0" g="0" b="0"/>
+          </a:lnRef>
+          <a:fillRef idx="0">
+            <a:scrgbClr r="0" g="0" b="0"/>
+          </a:fillRef>
+          <a:effectRef idx="0">
+            <a:scrgbClr r="0" g="0" b="0"/>
+          </a:effectRef>
+          <a:fontRef idx="minor">
+            <a:schemeClr val="lt1"/>
+          </a:fontRef>
+        </p:style>
+        <p:txBody>
+          <a:bodyPr/>
+          <a:lstStyle/>
+          <a:p>
+            <a:endParaRPr lang="en-CA"/>
+          </a:p>
+        </p:txBody>
+      </p:sp>
+    </p:spTree>
+    <p:extLst>
+      <p:ext uri="{BB962C8B-B14F-4D97-AF65-F5344CB8AC3E}">
+        <p14:creationId xmlns:p14="http://schemas.microsoft.com/office/powerpoint/2010/main" val="1444736319"/>
+      </p:ext>
+    </p:extLst>
+  </p:cSld>
+  <p:clrMapOvr>
+    <a:masterClrMapping/>
+  </p:clrMapOvr>
+</p:sld>
+</file>
+
+<file path=ppt/slides/slide12.xml><?xml version="1.0" encoding="utf-8"?>
+<p:sld xmlns:a="http://schemas.openxmlformats.org/drawingml/2006/main" xmlns:r="http://schemas.openxmlformats.org/officeDocument/2006/relationships" xmlns:p="http://schemas.openxmlformats.org/presentationml/2006/main">
+  <p:cSld>
+    <p:spTree>
+      <p:nvGrpSpPr>
+        <p:cNvPr id="1" name=""/>
+        <p:cNvGrpSpPr/>
+        <p:nvPr/>
+      </p:nvGrpSpPr>
+      <p:grpSpPr>
+        <a:xfrm>
+          <a:off x="0" y="0"/>
+          <a:ext cx="0" cy="0"/>
+          <a:chOff x="0" y="0"/>
+          <a:chExt cx="0" cy="0"/>
+        </a:xfrm>
+      </p:grpSpPr>
+      <p:sp>
+        <p:nvSpPr>
+          <p:cNvPr id="2" name="Title 1">
+            <a:extLst>
+              <a:ext uri="{FF2B5EF4-FFF2-40B4-BE49-F238E27FC236}">
+                <a16:creationId xmlns:a16="http://schemas.microsoft.com/office/drawing/2014/main" id="{5D85875F-05C1-7079-93B3-F1A61851C12E}"/>
+              </a:ext>
+            </a:extLst>
+          </p:cNvPr>
+          <p:cNvSpPr>
+            <a:spLocks noGrp="1"/>
+          </p:cNvSpPr>
+          <p:nvPr>
+            <p:ph type="title"/>
+          </p:nvPr>
+        </p:nvSpPr>
+        <p:spPr/>
+        <p:txBody>
+          <a:bodyPr/>
+          <a:lstStyle/>
+          <a:p>
+            <a:r>
+              <a:rPr lang="en-CA" dirty="0"/>
               <a:t>Getting started on the problem</a:t>
             </a:r>
           </a:p>
@@ -4822,7 +5141,7 @@
           <a:p>
             <a:fld id="{943C7479-2480-3F4B-AD95-735B3F38F7AD}" type="slidenum">
               <a:rPr lang="en-CA" smtClean="0"/>
-              <a:t>11</a:t>
+              <a:t>12</a:t>
             </a:fld>
             <a:endParaRPr lang="en-CA"/>
           </a:p>
@@ -4989,7 +5308,7 @@
 </p:sld>
 </file>
 
-<file path=ppt/slides/slide12.xml><?xml version="1.0" encoding="utf-8"?>
+<file path=ppt/slides/slide13.xml><?xml version="1.0" encoding="utf-8"?>
 <p:sld xmlns:a="http://schemas.openxmlformats.org/drawingml/2006/main" xmlns:r="http://schemas.openxmlformats.org/officeDocument/2006/relationships" xmlns:p="http://schemas.openxmlformats.org/presentationml/2006/main">
   <p:cSld>
     <p:spTree>
@@ -5085,7 +5404,7 @@
           <a:p>
             <a:fld id="{943C7479-2480-3F4B-AD95-735B3F38F7AD}" type="slidenum">
               <a:rPr lang="en-CA" smtClean="0"/>
-              <a:t>12</a:t>
+              <a:t>13</a:t>
             </a:fld>
             <a:endParaRPr lang="en-CA"/>
           </a:p>
@@ -5957,7 +6276,7 @@
 </p:sld>
 </file>
 
-<file path=ppt/slides/slide13.xml><?xml version="1.0" encoding="utf-8"?>
+<file path=ppt/slides/slide14.xml><?xml version="1.0" encoding="utf-8"?>
 <p:sld xmlns:a="http://schemas.openxmlformats.org/drawingml/2006/main" xmlns:r="http://schemas.openxmlformats.org/officeDocument/2006/relationships" xmlns:p="http://schemas.openxmlformats.org/presentationml/2006/main">
   <p:cSld>
     <p:spTree>
@@ -6053,7 +6372,7 @@
           <a:p>
             <a:fld id="{943C7479-2480-3F4B-AD95-735B3F38F7AD}" type="slidenum">
               <a:rPr lang="en-CA" smtClean="0"/>
-              <a:t>13</a:t>
+              <a:t>14</a:t>
             </a:fld>
             <a:endParaRPr lang="en-CA"/>
           </a:p>
@@ -7789,7 +8108,7 @@
 </p:sld>
 </file>
 
-<file path=ppt/slides/slide14.xml><?xml version="1.0" encoding="utf-8"?>
+<file path=ppt/slides/slide15.xml><?xml version="1.0" encoding="utf-8"?>
 <p:sld xmlns:a="http://schemas.openxmlformats.org/drawingml/2006/main" xmlns:r="http://schemas.openxmlformats.org/officeDocument/2006/relationships" xmlns:p="http://schemas.openxmlformats.org/presentationml/2006/main">
   <p:cSld>
     <p:spTree>
@@ -7885,7 +8204,7 @@
           <a:p>
             <a:fld id="{943C7479-2480-3F4B-AD95-735B3F38F7AD}" type="slidenum">
               <a:rPr lang="en-CA" smtClean="0"/>
-              <a:t>14</a:t>
+              <a:t>15</a:t>
             </a:fld>
             <a:endParaRPr lang="en-CA"/>
           </a:p>
@@ -9226,7 +9545,7 @@
 </p:sld>
 </file>
 
-<file path=ppt/slides/slide15.xml><?xml version="1.0" encoding="utf-8"?>
+<file path=ppt/slides/slide16.xml><?xml version="1.0" encoding="utf-8"?>
 <p:sld xmlns:a="http://schemas.openxmlformats.org/drawingml/2006/main" xmlns:r="http://schemas.openxmlformats.org/officeDocument/2006/relationships" xmlns:p="http://schemas.openxmlformats.org/presentationml/2006/main">
   <p:cSld>
     <p:spTree>
@@ -9322,7 +9641,7 @@
           <a:p>
             <a:fld id="{943C7479-2480-3F4B-AD95-735B3F38F7AD}" type="slidenum">
               <a:rPr lang="en-CA" smtClean="0"/>
-              <a:t>15</a:t>
+              <a:t>16</a:t>
             </a:fld>
             <a:endParaRPr lang="en-CA"/>
           </a:p>
@@ -10367,7 +10686,7 @@
 </p:sld>
 </file>
 
-<file path=ppt/slides/slide16.xml><?xml version="1.0" encoding="utf-8"?>
+<file path=ppt/slides/slide17.xml><?xml version="1.0" encoding="utf-8"?>
 <p:sld xmlns:a="http://schemas.openxmlformats.org/drawingml/2006/main" xmlns:r="http://schemas.openxmlformats.org/officeDocument/2006/relationships" xmlns:p="http://schemas.openxmlformats.org/presentationml/2006/main">
   <p:cSld>
     <p:spTree>
@@ -10463,7 +10782,7 @@
           <a:p>
             <a:fld id="{943C7479-2480-3F4B-AD95-735B3F38F7AD}" type="slidenum">
               <a:rPr lang="en-CA" smtClean="0"/>
-              <a:t>16</a:t>
+              <a:t>17</a:t>
             </a:fld>
             <a:endParaRPr lang="en-CA"/>
           </a:p>
@@ -11380,7 +11699,7 @@
 </p:sld>
 </file>
 
-<file path=ppt/slides/slide17.xml><?xml version="1.0" encoding="utf-8"?>
+<file path=ppt/slides/slide18.xml><?xml version="1.0" encoding="utf-8"?>
 <p:sld xmlns:a="http://schemas.openxmlformats.org/drawingml/2006/main" xmlns:r="http://schemas.openxmlformats.org/officeDocument/2006/relationships" xmlns:p="http://schemas.openxmlformats.org/presentationml/2006/main">
   <p:cSld>
     <p:spTree>
@@ -11610,7 +11929,7 @@
           <a:p>
             <a:fld id="{943C7479-2480-3F4B-AD95-735B3F38F7AD}" type="slidenum">
               <a:rPr lang="en-CA" smtClean="0"/>
-              <a:t>17</a:t>
+              <a:t>18</a:t>
             </a:fld>
             <a:endParaRPr lang="en-CA"/>
           </a:p>
@@ -11777,7 +12096,7 @@
 </p:sld>
 </file>
 
-<file path=ppt/slides/slide18.xml><?xml version="1.0" encoding="utf-8"?>
+<file path=ppt/slides/slide19.xml><?xml version="1.0" encoding="utf-8"?>
 <p:sld xmlns:a="http://schemas.openxmlformats.org/drawingml/2006/main" xmlns:r="http://schemas.openxmlformats.org/officeDocument/2006/relationships" xmlns:p="http://schemas.openxmlformats.org/presentationml/2006/main">
   <p:cSld>
     <p:spTree>
@@ -11932,7 +12251,7 @@
           <a:p>
             <a:fld id="{943C7479-2480-3F4B-AD95-735B3F38F7AD}" type="slidenum">
               <a:rPr lang="en-CA" smtClean="0"/>
-              <a:t>18</a:t>
+              <a:t>19</a:t>
             </a:fld>
             <a:endParaRPr lang="en-CA"/>
           </a:p>
@@ -13129,7 +13448,7 @@
           <p:cNvPr id="2" name="Title 1">
             <a:extLst>
               <a:ext uri="{FF2B5EF4-FFF2-40B4-BE49-F238E27FC236}">
-                <a16:creationId xmlns:a16="http://schemas.microsoft.com/office/drawing/2014/main" id="{CC4C35FD-9820-224B-7FE4-042B6E2992F8}"/>
+                <a16:creationId xmlns:a16="http://schemas.microsoft.com/office/drawing/2014/main" id="{5D85875F-05C1-7079-93B3-F1A61851C12E}"/>
               </a:ext>
             </a:extLst>
           </p:cNvPr>
@@ -13147,7 +13466,7 @@
           <a:p>
             <a:r>
               <a:rPr lang="en-CA" dirty="0"/>
-              <a:t>Python basics – Data types</a:t>
+              <a:t>Python basics – Getting started</a:t>
             </a:r>
           </a:p>
         </p:txBody>
@@ -13157,7 +13476,7 @@
           <p:cNvPr id="3" name="Content Placeholder 2">
             <a:extLst>
               <a:ext uri="{FF2B5EF4-FFF2-40B4-BE49-F238E27FC236}">
-                <a16:creationId xmlns:a16="http://schemas.microsoft.com/office/drawing/2014/main" id="{C7BC705A-E416-317C-D160-961F41B9C359}"/>
+                <a16:creationId xmlns:a16="http://schemas.microsoft.com/office/drawing/2014/main" id="{8126930B-D933-0F66-873A-B188AF95FFD9}"/>
               </a:ext>
             </a:extLst>
           </p:cNvPr>
@@ -13174,280 +13493,73 @@
           <a:lstStyle/>
           <a:p>
             <a:r>
+              <a:rPr lang="en-CA" dirty="0"/>
+              <a:t>Some packages I suggest installing if your system does not already have them:</a:t>
+            </a:r>
+          </a:p>
+          <a:p>
+            <a:pPr lvl="1"/>
+            <a:r>
+              <a:rPr lang="en-CA" dirty="0"/>
+              <a:t>NumPy (</a:t>
+            </a:r>
+            <a:r>
               <a:rPr lang="en-CA" dirty="0">
-                <a:latin typeface="Gill Sans MT" panose="020B0502020104020203" pitchFamily="34" charset="77"/>
-                <a:ea typeface="Menlo" panose="020B0609030804020204" pitchFamily="49" charset="0"/>
-                <a:cs typeface="Menlo" panose="020B0609030804020204" pitchFamily="49" charset="0"/>
+                <a:hlinkClick r:id="rId2"/>
               </a:rPr>
-              <a:t>Python has a number of data types:</a:t>
+              <a:t>https://numpy.org</a:t>
+            </a:r>
+            <a:r>
+              <a:rPr lang="en-CA" dirty="0"/>
+              <a:t>)</a:t>
             </a:r>
           </a:p>
           <a:p>
             <a:pPr lvl="1"/>
             <a:r>
+              <a:rPr lang="en-CA" dirty="0"/>
+              <a:t>SciPy (</a:t>
+            </a:r>
+            <a:r>
               <a:rPr lang="en-CA" dirty="0">
-                <a:latin typeface="Gill Sans MT" panose="020B0502020104020203" pitchFamily="34" charset="77"/>
-                <a:ea typeface="Menlo" panose="020B0609030804020204" pitchFamily="49" charset="0"/>
-                <a:cs typeface="Menlo" panose="020B0609030804020204" pitchFamily="49" charset="0"/>
+                <a:hlinkClick r:id="rId3"/>
               </a:rPr>
-              <a:t>Numeric:</a:t>
-            </a:r>
-          </a:p>
-          <a:p>
-            <a:pPr lvl="2"/>
+              <a:t>https://scipy.org</a:t>
+            </a:r>
+            <a:r>
+              <a:rPr lang="en-CA" dirty="0"/>
+              <a:t>)</a:t>
+            </a:r>
+          </a:p>
+          <a:p>
+            <a:pPr lvl="1"/>
+            <a:r>
+              <a:rPr lang="en-CA" dirty="0"/>
+              <a:t>Matplotlib (</a:t>
+            </a:r>
             <a:r>
               <a:rPr lang="en-CA" dirty="0">
-                <a:latin typeface="Gill Sans MT" panose="020B0502020104020203" pitchFamily="34" charset="77"/>
-                <a:ea typeface="Menlo" panose="020B0609030804020204" pitchFamily="49" charset="0"/>
-                <a:cs typeface="Menlo" panose="020B0609030804020204" pitchFamily="49" charset="0"/>
+                <a:hlinkClick r:id="rId4"/>
               </a:rPr>
-              <a:t>Integer (</a:t>
-            </a:r>
-            <a:r>
-              <a:rPr lang="en-CA" dirty="0">
-                <a:latin typeface="Menlo" panose="020B0609030804020204" pitchFamily="49" charset="0"/>
-                <a:ea typeface="Menlo" panose="020B0609030804020204" pitchFamily="49" charset="0"/>
-                <a:cs typeface="Menlo" panose="020B0609030804020204" pitchFamily="49" charset="0"/>
-              </a:rPr>
-              <a:t>int</a:t>
-            </a:r>
-            <a:r>
-              <a:rPr lang="en-CA" dirty="0">
-                <a:latin typeface="Gill Sans MT" panose="020B0502020104020203" pitchFamily="34" charset="77"/>
-                <a:ea typeface="Menlo" panose="020B0609030804020204" pitchFamily="49" charset="0"/>
-                <a:cs typeface="Menlo" panose="020B0609030804020204" pitchFamily="49" charset="0"/>
-              </a:rPr>
-              <a:t>): counting numbers (</a:t>
-            </a:r>
-            <a:r>
-              <a:rPr lang="en-CA" dirty="0">
-                <a:latin typeface="Menlo" panose="020B0609030804020204" pitchFamily="49" charset="0"/>
-                <a:ea typeface="Menlo" panose="020B0609030804020204" pitchFamily="49" charset="0"/>
-                <a:cs typeface="Menlo" panose="020B0609030804020204" pitchFamily="49" charset="0"/>
-              </a:rPr>
-              <a:t>1, 10, 453, -2</a:t>
-            </a:r>
-            <a:r>
-              <a:rPr lang="en-CA" dirty="0">
-                <a:latin typeface="Gill Sans MT" panose="020B0502020104020203" pitchFamily="34" charset="77"/>
-                <a:ea typeface="Menlo" panose="020B0609030804020204" pitchFamily="49" charset="0"/>
-                <a:cs typeface="Menlo" panose="020B0609030804020204" pitchFamily="49" charset="0"/>
-              </a:rPr>
+              <a:t>https://matplotlib.org</a:t>
+            </a:r>
+            <a:r>
+              <a:rPr lang="en-CA" dirty="0"/>
               <a:t>)</a:t>
             </a:r>
           </a:p>
           <a:p>
-            <a:pPr lvl="2"/>
-            <a:r>
-              <a:rPr lang="en-CA" dirty="0">
-                <a:latin typeface="Gill Sans MT" panose="020B0502020104020203" pitchFamily="34" charset="77"/>
-                <a:ea typeface="Menlo" panose="020B0609030804020204" pitchFamily="49" charset="0"/>
-                <a:cs typeface="Menlo" panose="020B0609030804020204" pitchFamily="49" charset="0"/>
-              </a:rPr>
-              <a:t>Float (</a:t>
-            </a:r>
-            <a:r>
-              <a:rPr lang="en-CA" dirty="0">
-                <a:latin typeface="Menlo" panose="020B0609030804020204" pitchFamily="49" charset="0"/>
-                <a:ea typeface="Menlo" panose="020B0609030804020204" pitchFamily="49" charset="0"/>
-                <a:cs typeface="Menlo" panose="020B0609030804020204" pitchFamily="49" charset="0"/>
-              </a:rPr>
-              <a:t>float</a:t>
-            </a:r>
-            <a:r>
-              <a:rPr lang="en-CA" dirty="0">
-                <a:latin typeface="Gill Sans MT" panose="020B0502020104020203" pitchFamily="34" charset="77"/>
-                <a:ea typeface="Menlo" panose="020B0609030804020204" pitchFamily="49" charset="0"/>
-                <a:cs typeface="Menlo" panose="020B0609030804020204" pitchFamily="49" charset="0"/>
-              </a:rPr>
-              <a:t>) double precision floating point numbers (</a:t>
-            </a:r>
-            <a:r>
-              <a:rPr lang="en-CA" dirty="0">
-                <a:latin typeface="Menlo" panose="020B0609030804020204" pitchFamily="49" charset="0"/>
-                <a:ea typeface="Menlo" panose="020B0609030804020204" pitchFamily="49" charset="0"/>
-                <a:cs typeface="Menlo" panose="020B0609030804020204" pitchFamily="49" charset="0"/>
-              </a:rPr>
-              <a:t>1.0, 2.5788932, -3.14159</a:t>
-            </a:r>
-            <a:r>
-              <a:rPr lang="en-CA" dirty="0">
-                <a:latin typeface="Gill Sans MT" panose="020B0502020104020203" pitchFamily="34" charset="77"/>
-                <a:ea typeface="Menlo" panose="020B0609030804020204" pitchFamily="49" charset="0"/>
-                <a:cs typeface="Menlo" panose="020B0609030804020204" pitchFamily="49" charset="0"/>
-              </a:rPr>
-              <a:t>)</a:t>
-            </a:r>
-          </a:p>
-          <a:p>
-            <a:pPr lvl="2"/>
-            <a:r>
-              <a:rPr lang="en-CA" dirty="0">
-                <a:latin typeface="Gill Sans MT" panose="020B0502020104020203" pitchFamily="34" charset="77"/>
-                <a:ea typeface="Menlo" panose="020B0609030804020204" pitchFamily="49" charset="0"/>
-                <a:cs typeface="Menlo" panose="020B0609030804020204" pitchFamily="49" charset="0"/>
-              </a:rPr>
-              <a:t>Long (</a:t>
-            </a:r>
-            <a:r>
-              <a:rPr lang="en-CA" dirty="0">
-                <a:latin typeface="Menlo" panose="020B0609030804020204" pitchFamily="49" charset="0"/>
-                <a:ea typeface="Menlo" panose="020B0609030804020204" pitchFamily="49" charset="0"/>
-                <a:cs typeface="Menlo" panose="020B0609030804020204" pitchFamily="49" charset="0"/>
-              </a:rPr>
-              <a:t>long</a:t>
-            </a:r>
-            <a:r>
-              <a:rPr lang="en-CA" dirty="0">
-                <a:latin typeface="Gill Sans MT" panose="020B0502020104020203" pitchFamily="34" charset="77"/>
-                <a:ea typeface="Menlo" panose="020B0609030804020204" pitchFamily="49" charset="0"/>
-                <a:cs typeface="Menlo" panose="020B0609030804020204" pitchFamily="49" charset="0"/>
-              </a:rPr>
-              <a:t>): infinite precision numbers like floats with no limit</a:t>
-            </a:r>
-          </a:p>
-          <a:p>
-            <a:pPr lvl="2"/>
-            <a:r>
-              <a:rPr lang="en-CA" dirty="0">
-                <a:latin typeface="Gill Sans MT" panose="020B0502020104020203" pitchFamily="34" charset="77"/>
-                <a:ea typeface="Menlo" panose="020B0609030804020204" pitchFamily="49" charset="0"/>
-                <a:cs typeface="Menlo" panose="020B0609030804020204" pitchFamily="49" charset="0"/>
-              </a:rPr>
-              <a:t>Complex (</a:t>
-            </a:r>
-            <a:r>
-              <a:rPr lang="en-CA" dirty="0">
-                <a:latin typeface="Menlo" panose="020B0609030804020204" pitchFamily="49" charset="0"/>
-                <a:ea typeface="Menlo" panose="020B0609030804020204" pitchFamily="49" charset="0"/>
-                <a:cs typeface="Menlo" panose="020B0609030804020204" pitchFamily="49" charset="0"/>
-              </a:rPr>
-              <a:t>complex</a:t>
-            </a:r>
-            <a:r>
-              <a:rPr lang="en-CA" dirty="0">
-                <a:latin typeface="Gill Sans MT" panose="020B0502020104020203" pitchFamily="34" charset="77"/>
-                <a:ea typeface="Menlo" panose="020B0609030804020204" pitchFamily="49" charset="0"/>
-                <a:cs typeface="Menlo" panose="020B0609030804020204" pitchFamily="49" charset="0"/>
-              </a:rPr>
-              <a:t>): traditional complex numbers (</a:t>
-            </a:r>
-            <a:r>
-              <a:rPr lang="en-CA" dirty="0">
-                <a:latin typeface="Menlo" panose="020B0609030804020204" pitchFamily="49" charset="0"/>
-                <a:ea typeface="Menlo" panose="020B0609030804020204" pitchFamily="49" charset="0"/>
-                <a:cs typeface="Menlo" panose="020B0609030804020204" pitchFamily="49" charset="0"/>
-              </a:rPr>
-              <a:t>1+2j,  5.7-2.5j</a:t>
-            </a:r>
-            <a:r>
-              <a:rPr lang="en-CA" dirty="0">
-                <a:latin typeface="Gill Sans MT" panose="020B0502020104020203" pitchFamily="34" charset="77"/>
-                <a:ea typeface="Menlo" panose="020B0609030804020204" pitchFamily="49" charset="0"/>
-                <a:cs typeface="Menlo" panose="020B0609030804020204" pitchFamily="49" charset="0"/>
-              </a:rPr>
-              <a:t>)</a:t>
-            </a:r>
-          </a:p>
-          <a:p>
-            <a:pPr lvl="2"/>
-            <a:r>
-              <a:rPr lang="en-CA" dirty="0">
-                <a:latin typeface="Gill Sans MT" panose="020B0502020104020203" pitchFamily="34" charset="77"/>
-                <a:ea typeface="Menlo" panose="020B0609030804020204" pitchFamily="49" charset="0"/>
-                <a:cs typeface="Menlo" panose="020B0609030804020204" pitchFamily="49" charset="0"/>
-              </a:rPr>
-              <a:t>Boolean (</a:t>
-            </a:r>
-            <a:r>
-              <a:rPr lang="en-CA" dirty="0">
-                <a:latin typeface="Menlo" panose="020B0609030804020204" pitchFamily="49" charset="0"/>
-                <a:ea typeface="Menlo" panose="020B0609030804020204" pitchFamily="49" charset="0"/>
-                <a:cs typeface="Menlo" panose="020B0609030804020204" pitchFamily="49" charset="0"/>
-              </a:rPr>
-              <a:t>bool</a:t>
-            </a:r>
-            <a:r>
-              <a:rPr lang="en-CA" dirty="0">
-                <a:latin typeface="Gill Sans MT" panose="020B0502020104020203" pitchFamily="34" charset="77"/>
-                <a:ea typeface="Menlo" panose="020B0609030804020204" pitchFamily="49" charset="0"/>
-                <a:cs typeface="Menlo" panose="020B0609030804020204" pitchFamily="49" charset="0"/>
-              </a:rPr>
-              <a:t>): binary values with values of </a:t>
-            </a:r>
-            <a:r>
-              <a:rPr lang="en-CA" dirty="0">
-                <a:latin typeface="Menlo" panose="020B0609030804020204" pitchFamily="49" charset="0"/>
-                <a:ea typeface="Menlo" panose="020B0609030804020204" pitchFamily="49" charset="0"/>
-                <a:cs typeface="Menlo" panose="020B0609030804020204" pitchFamily="49" charset="0"/>
-              </a:rPr>
-              <a:t>True</a:t>
-            </a:r>
-            <a:r>
-              <a:rPr lang="en-CA" dirty="0">
-                <a:latin typeface="Gill Sans MT" panose="020B0502020104020203" pitchFamily="34" charset="77"/>
-                <a:ea typeface="Menlo" panose="020B0609030804020204" pitchFamily="49" charset="0"/>
-                <a:cs typeface="Menlo" panose="020B0609030804020204" pitchFamily="49" charset="0"/>
-              </a:rPr>
-              <a:t> or </a:t>
-            </a:r>
-            <a:r>
-              <a:rPr lang="en-CA" dirty="0">
-                <a:latin typeface="Menlo" panose="020B0609030804020204" pitchFamily="49" charset="0"/>
-                <a:ea typeface="Menlo" panose="020B0609030804020204" pitchFamily="49" charset="0"/>
-                <a:cs typeface="Menlo" panose="020B0609030804020204" pitchFamily="49" charset="0"/>
-              </a:rPr>
-              <a:t>False</a:t>
-            </a:r>
-            <a:r>
-              <a:rPr lang="en-CA" dirty="0">
-                <a:latin typeface="Gill Sans MT" panose="020B0502020104020203" pitchFamily="34" charset="77"/>
-                <a:ea typeface="Menlo" panose="020B0609030804020204" pitchFamily="49" charset="0"/>
-                <a:cs typeface="Menlo" panose="020B0609030804020204" pitchFamily="49" charset="0"/>
-              </a:rPr>
-              <a:t> (equivalent to </a:t>
-            </a:r>
-            <a:r>
-              <a:rPr lang="en-CA" dirty="0">
-                <a:latin typeface="Menlo" panose="020B0609030804020204" pitchFamily="49" charset="0"/>
-                <a:ea typeface="Menlo" panose="020B0609030804020204" pitchFamily="49" charset="0"/>
-                <a:cs typeface="Menlo" panose="020B0609030804020204" pitchFamily="49" charset="0"/>
-              </a:rPr>
-              <a:t>1</a:t>
-            </a:r>
-            <a:r>
-              <a:rPr lang="en-CA" dirty="0">
-                <a:latin typeface="Gill Sans MT" panose="020B0502020104020203" pitchFamily="34" charset="77"/>
-                <a:ea typeface="Menlo" panose="020B0609030804020204" pitchFamily="49" charset="0"/>
-                <a:cs typeface="Menlo" panose="020B0609030804020204" pitchFamily="49" charset="0"/>
-              </a:rPr>
-              <a:t> or </a:t>
-            </a:r>
-            <a:r>
-              <a:rPr lang="en-CA" dirty="0">
-                <a:latin typeface="Menlo" panose="020B0609030804020204" pitchFamily="49" charset="0"/>
-                <a:ea typeface="Menlo" panose="020B0609030804020204" pitchFamily="49" charset="0"/>
-                <a:cs typeface="Menlo" panose="020B0609030804020204" pitchFamily="49" charset="0"/>
-              </a:rPr>
-              <a:t>0</a:t>
-            </a:r>
-            <a:r>
-              <a:rPr lang="en-CA" dirty="0">
-                <a:latin typeface="Gill Sans MT" panose="020B0502020104020203" pitchFamily="34" charset="77"/>
-                <a:ea typeface="Menlo" panose="020B0609030804020204" pitchFamily="49" charset="0"/>
-                <a:cs typeface="Menlo" panose="020B0609030804020204" pitchFamily="49" charset="0"/>
-              </a:rPr>
-              <a:t>)</a:t>
-            </a:r>
-          </a:p>
-        </p:txBody>
-      </p:sp>
-      <p:sp>
-        <p:nvSpPr>
-          <p:cNvPr id="4" name="Footer Placeholder 3">
+            <a:pPr lvl="1"/>
+            <a:endParaRPr lang="en-CA" dirty="0"/>
+          </a:p>
+        </p:txBody>
+      </p:sp>
+      <p:sp>
+        <p:nvSpPr>
+          <p:cNvPr id="5" name="Footer Placeholder 4">
             <a:extLst>
               <a:ext uri="{FF2B5EF4-FFF2-40B4-BE49-F238E27FC236}">
-                <a16:creationId xmlns:a16="http://schemas.microsoft.com/office/drawing/2014/main" id="{9586AF42-7B86-F03F-05AB-58BC49576DD5}"/>
+                <a16:creationId xmlns:a16="http://schemas.microsoft.com/office/drawing/2014/main" id="{CCB5CD41-B155-98FD-0CF6-C9EC12013E73}"/>
               </a:ext>
             </a:extLst>
           </p:cNvPr>
@@ -13472,10 +13584,10 @@
       </p:sp>
       <p:sp>
         <p:nvSpPr>
-          <p:cNvPr id="5" name="Slide Number Placeholder 4">
+          <p:cNvPr id="6" name="Slide Number Placeholder 5">
             <a:extLst>
               <a:ext uri="{FF2B5EF4-FFF2-40B4-BE49-F238E27FC236}">
-                <a16:creationId xmlns:a16="http://schemas.microsoft.com/office/drawing/2014/main" id="{15BCB09A-F690-CC4D-74D9-564784847DE5}"/>
+                <a16:creationId xmlns:a16="http://schemas.microsoft.com/office/drawing/2014/main" id="{B8CF24F9-5C5F-7702-5709-475538625D1F}"/>
               </a:ext>
             </a:extLst>
           </p:cNvPr>
@@ -13501,10 +13613,10 @@
       </p:sp>
       <p:sp>
         <p:nvSpPr>
-          <p:cNvPr id="6" name="Rectangle 5">
+          <p:cNvPr id="7" name="Rectangle 6">
             <a:extLst>
               <a:ext uri="{FF2B5EF4-FFF2-40B4-BE49-F238E27FC236}">
-                <a16:creationId xmlns:a16="http://schemas.microsoft.com/office/drawing/2014/main" id="{48DCB364-CF91-D821-C663-2A947ACCD077}"/>
+                <a16:creationId xmlns:a16="http://schemas.microsoft.com/office/drawing/2014/main" id="{35DA7EF1-5EC7-F590-0670-E7FB0ECA5446}"/>
               </a:ext>
             </a:extLst>
           </p:cNvPr>
@@ -13550,10 +13662,10 @@
       </p:sp>
       <p:sp>
         <p:nvSpPr>
-          <p:cNvPr id="7" name="Rectangle 6">
+          <p:cNvPr id="8" name="Rectangle 7">
             <a:extLst>
               <a:ext uri="{FF2B5EF4-FFF2-40B4-BE49-F238E27FC236}">
-                <a16:creationId xmlns:a16="http://schemas.microsoft.com/office/drawing/2014/main" id="{46F7BCB4-44D9-7E99-5984-5E52B489B118}"/>
+                <a16:creationId xmlns:a16="http://schemas.microsoft.com/office/drawing/2014/main" id="{1F7BB7CD-79F3-7F69-C686-F295850A7BF4}"/>
               </a:ext>
             </a:extLst>
           </p:cNvPr>
@@ -13600,10 +13712,10 @@
       </p:sp>
       <p:sp>
         <p:nvSpPr>
-          <p:cNvPr id="8" name="Rectangle 7">
+          <p:cNvPr id="9" name="Rectangle 8">
             <a:extLst>
               <a:ext uri="{FF2B5EF4-FFF2-40B4-BE49-F238E27FC236}">
-                <a16:creationId xmlns:a16="http://schemas.microsoft.com/office/drawing/2014/main" id="{4CB38C46-1ABB-31EC-12E1-BE0BA08F3B09}"/>
+                <a16:creationId xmlns:a16="http://schemas.microsoft.com/office/drawing/2014/main" id="{9AF57B29-EACA-C61A-FA86-F961D393E6C9}"/>
               </a:ext>
             </a:extLst>
           </p:cNvPr>
@@ -13650,7 +13762,7 @@
     </p:spTree>
     <p:extLst>
       <p:ext uri="{BB962C8B-B14F-4D97-AF65-F5344CB8AC3E}">
-        <p14:creationId xmlns:p14="http://schemas.microsoft.com/office/powerpoint/2010/main" val="1493711832"/>
+        <p14:creationId xmlns:p14="http://schemas.microsoft.com/office/powerpoint/2010/main" val="292645591"/>
       </p:ext>
     </p:extLst>
   </p:cSld>
@@ -13700,7 +13812,7 @@
           <a:p>
             <a:r>
               <a:rPr lang="en-CA" dirty="0"/>
-              <a:t>Python basics – Data types cont’d</a:t>
+              <a:t>Python basics – Data types</a:t>
             </a:r>
           </a:p>
         </p:txBody>
@@ -13721,16 +13833,9 @@
             <p:ph idx="1"/>
           </p:nvPr>
         </p:nvSpPr>
-        <p:spPr>
-          <a:xfrm>
-            <a:off x="581192" y="2180496"/>
-            <a:ext cx="11029615" cy="4258994"/>
-          </a:xfrm>
-        </p:spPr>
-        <p:txBody>
-          <a:bodyPr>
-            <a:normAutofit/>
-          </a:bodyPr>
+        <p:spPr/>
+        <p:txBody>
+          <a:bodyPr/>
           <a:lstStyle/>
           <a:p>
             <a:r>
@@ -13739,7 +13844,7 @@
                 <a:ea typeface="Menlo" panose="020B0609030804020204" pitchFamily="49" charset="0"/>
                 <a:cs typeface="Menlo" panose="020B0609030804020204" pitchFamily="49" charset="0"/>
               </a:rPr>
-              <a:t>Other:</a:t>
+              <a:t>Python has a number of data types:</a:t>
             </a:r>
           </a:p>
           <a:p>
@@ -13750,7 +13855,18 @@
                 <a:ea typeface="Menlo" panose="020B0609030804020204" pitchFamily="49" charset="0"/>
                 <a:cs typeface="Menlo" panose="020B0609030804020204" pitchFamily="49" charset="0"/>
               </a:rPr>
-              <a:t>String (</a:t>
+              <a:t>Numeric:</a:t>
+            </a:r>
+          </a:p>
+          <a:p>
+            <a:pPr lvl="2"/>
+            <a:r>
+              <a:rPr lang="en-CA" dirty="0">
+                <a:latin typeface="Gill Sans MT" panose="020B0502020104020203" pitchFamily="34" charset="77"/>
+                <a:ea typeface="Menlo" panose="020B0609030804020204" pitchFamily="49" charset="0"/>
+                <a:cs typeface="Menlo" panose="020B0609030804020204" pitchFamily="49" charset="0"/>
+              </a:rPr>
+              <a:t>Integer (</a:t>
             </a:r>
             <a:r>
               <a:rPr lang="en-CA" dirty="0">
@@ -13758,7 +13874,7 @@
                 <a:ea typeface="Menlo" panose="020B0609030804020204" pitchFamily="49" charset="0"/>
                 <a:cs typeface="Menlo" panose="020B0609030804020204" pitchFamily="49" charset="0"/>
               </a:rPr>
-              <a:t>str</a:t>
+              <a:t>int</a:t>
             </a:r>
             <a:r>
               <a:rPr lang="en-CA" dirty="0">
@@ -13766,7 +13882,7 @@
                 <a:ea typeface="Menlo" panose="020B0609030804020204" pitchFamily="49" charset="0"/>
                 <a:cs typeface="Menlo" panose="020B0609030804020204" pitchFamily="49" charset="0"/>
               </a:rPr>
-              <a:t>): text contained in quotes (</a:t>
+              <a:t>): counting numbers (</a:t>
             </a:r>
             <a:r>
               <a:rPr lang="en-CA" dirty="0">
@@ -13774,7 +13890,7 @@
                 <a:ea typeface="Menlo" panose="020B0609030804020204" pitchFamily="49" charset="0"/>
                 <a:cs typeface="Menlo" panose="020B0609030804020204" pitchFamily="49" charset="0"/>
               </a:rPr>
-              <a:t>‘hello’, “World”, ‘Hello world.”</a:t>
+              <a:t>1, 10, 453, -2</a:t>
             </a:r>
             <a:r>
               <a:rPr lang="en-CA" dirty="0">
@@ -13786,14 +13902,14 @@
             </a:r>
           </a:p>
           <a:p>
-            <a:pPr lvl="1"/>
+            <a:pPr lvl="2"/>
             <a:r>
               <a:rPr lang="en-CA" dirty="0">
                 <a:latin typeface="Gill Sans MT" panose="020B0502020104020203" pitchFamily="34" charset="77"/>
                 <a:ea typeface="Menlo" panose="020B0609030804020204" pitchFamily="49" charset="0"/>
                 <a:cs typeface="Menlo" panose="020B0609030804020204" pitchFamily="49" charset="0"/>
               </a:rPr>
-              <a:t>Tuple (</a:t>
+              <a:t>Float (</a:t>
             </a:r>
             <a:r>
               <a:rPr lang="en-CA" dirty="0">
@@ -13801,7 +13917,7 @@
                 <a:ea typeface="Menlo" panose="020B0609030804020204" pitchFamily="49" charset="0"/>
                 <a:cs typeface="Menlo" panose="020B0609030804020204" pitchFamily="49" charset="0"/>
               </a:rPr>
-              <a:t>tuple</a:t>
+              <a:t>float</a:t>
             </a:r>
             <a:r>
               <a:rPr lang="en-CA" dirty="0">
@@ -13809,7 +13925,7 @@
                 <a:ea typeface="Menlo" panose="020B0609030804020204" pitchFamily="49" charset="0"/>
                 <a:cs typeface="Menlo" panose="020B0609030804020204" pitchFamily="49" charset="0"/>
               </a:rPr>
-              <a:t>): a set of objects which is immutable/read only – contained in round brackets (</a:t>
+              <a:t>) double precision floating point numbers (</a:t>
             </a:r>
             <a:r>
               <a:rPr lang="en-CA" dirty="0">
@@ -13817,7 +13933,7 @@
                 <a:ea typeface="Menlo" panose="020B0609030804020204" pitchFamily="49" charset="0"/>
                 <a:cs typeface="Menlo" panose="020B0609030804020204" pitchFamily="49" charset="0"/>
               </a:rPr>
-              <a:t>(1,303,1.75), (“Hello”,False,-8.75)</a:t>
+              <a:t>1.0, 2.5788932, -3.14159</a:t>
             </a:r>
             <a:r>
               <a:rPr lang="en-CA" dirty="0">
@@ -13829,14 +13945,14 @@
             </a:r>
           </a:p>
           <a:p>
-            <a:pPr lvl="1"/>
+            <a:pPr lvl="2"/>
             <a:r>
               <a:rPr lang="en-CA" dirty="0">
                 <a:latin typeface="Gill Sans MT" panose="020B0502020104020203" pitchFamily="34" charset="77"/>
                 <a:ea typeface="Menlo" panose="020B0609030804020204" pitchFamily="49" charset="0"/>
                 <a:cs typeface="Menlo" panose="020B0609030804020204" pitchFamily="49" charset="0"/>
               </a:rPr>
-              <a:t>List (</a:t>
+              <a:t>Long (</a:t>
             </a:r>
             <a:r>
               <a:rPr lang="en-CA" dirty="0">
@@ -13844,7 +13960,7 @@
                 <a:ea typeface="Menlo" panose="020B0609030804020204" pitchFamily="49" charset="0"/>
                 <a:cs typeface="Menlo" panose="020B0609030804020204" pitchFamily="49" charset="0"/>
               </a:rPr>
-              <a:t>list</a:t>
+              <a:t>long</a:t>
             </a:r>
             <a:r>
               <a:rPr lang="en-CA" dirty="0">
@@ -13852,7 +13968,18 @@
                 <a:ea typeface="Menlo" panose="020B0609030804020204" pitchFamily="49" charset="0"/>
                 <a:cs typeface="Menlo" panose="020B0609030804020204" pitchFamily="49" charset="0"/>
               </a:rPr>
-              <a:t>): a set of objects which is changeable – contained in square brackets (</a:t>
+              <a:t>): infinite precision numbers like floats with no limit</a:t>
+            </a:r>
+          </a:p>
+          <a:p>
+            <a:pPr lvl="2"/>
+            <a:r>
+              <a:rPr lang="en-CA" dirty="0">
+                <a:latin typeface="Gill Sans MT" panose="020B0502020104020203" pitchFamily="34" charset="77"/>
+                <a:ea typeface="Menlo" panose="020B0609030804020204" pitchFamily="49" charset="0"/>
+                <a:cs typeface="Menlo" panose="020B0609030804020204" pitchFamily="49" charset="0"/>
+              </a:rPr>
+              <a:t>Complex (</a:t>
             </a:r>
             <a:r>
               <a:rPr lang="en-CA" dirty="0">
@@ -13860,7 +13987,23 @@
                 <a:ea typeface="Menlo" panose="020B0609030804020204" pitchFamily="49" charset="0"/>
                 <a:cs typeface="Menlo" panose="020B0609030804020204" pitchFamily="49" charset="0"/>
               </a:rPr>
-              <a:t>[1,2,3], [23, True, “Yes”]</a:t>
+              <a:t>complex</a:t>
+            </a:r>
+            <a:r>
+              <a:rPr lang="en-CA" dirty="0">
+                <a:latin typeface="Gill Sans MT" panose="020B0502020104020203" pitchFamily="34" charset="77"/>
+                <a:ea typeface="Menlo" panose="020B0609030804020204" pitchFamily="49" charset="0"/>
+                <a:cs typeface="Menlo" panose="020B0609030804020204" pitchFamily="49" charset="0"/>
+              </a:rPr>
+              <a:t>): traditional complex numbers (</a:t>
+            </a:r>
+            <a:r>
+              <a:rPr lang="en-CA" dirty="0">
+                <a:latin typeface="Menlo" panose="020B0609030804020204" pitchFamily="49" charset="0"/>
+                <a:ea typeface="Menlo" panose="020B0609030804020204" pitchFamily="49" charset="0"/>
+                <a:cs typeface="Menlo" panose="020B0609030804020204" pitchFamily="49" charset="0"/>
+              </a:rPr>
+              <a:t>1+2j,  5.7-2.5j</a:t>
             </a:r>
             <a:r>
               <a:rPr lang="en-CA" dirty="0">
@@ -13872,30 +14015,22 @@
             </a:r>
           </a:p>
           <a:p>
-            <a:pPr lvl="1"/>
-            <a:r>
-              <a:rPr lang="en-CA" dirty="0" err="1">
-                <a:latin typeface="Gill Sans MT" panose="020B0502020104020203" pitchFamily="34" charset="77"/>
-                <a:ea typeface="Menlo" panose="020B0609030804020204" pitchFamily="49" charset="0"/>
-                <a:cs typeface="Menlo" panose="020B0609030804020204" pitchFamily="49" charset="0"/>
-              </a:rPr>
-              <a:t>Numpy</a:t>
-            </a:r>
+            <a:pPr lvl="2"/>
             <a:r>
               <a:rPr lang="en-CA" dirty="0">
                 <a:latin typeface="Gill Sans MT" panose="020B0502020104020203" pitchFamily="34" charset="77"/>
                 <a:ea typeface="Menlo" panose="020B0609030804020204" pitchFamily="49" charset="0"/>
                 <a:cs typeface="Menlo" panose="020B0609030804020204" pitchFamily="49" charset="0"/>
               </a:rPr>
-              <a:t> array (</a:t>
-            </a:r>
-            <a:r>
-              <a:rPr lang="en-CA" dirty="0" err="1">
+              <a:t>Boolean (</a:t>
+            </a:r>
+            <a:r>
+              <a:rPr lang="en-CA" dirty="0">
                 <a:latin typeface="Menlo" panose="020B0609030804020204" pitchFamily="49" charset="0"/>
                 <a:ea typeface="Menlo" panose="020B0609030804020204" pitchFamily="49" charset="0"/>
                 <a:cs typeface="Menlo" panose="020B0609030804020204" pitchFamily="49" charset="0"/>
               </a:rPr>
-              <a:t>numpy.ndarray</a:t>
+              <a:t>bool</a:t>
             </a:r>
             <a:r>
               <a:rPr lang="en-CA" dirty="0">
@@ -13903,15 +14038,7 @@
                 <a:ea typeface="Menlo" panose="020B0609030804020204" pitchFamily="49" charset="0"/>
                 <a:cs typeface="Menlo" panose="020B0609030804020204" pitchFamily="49" charset="0"/>
               </a:rPr>
-              <a:t>): similar to list but a different implementation: (</a:t>
-            </a:r>
-            <a:r>
-              <a:rPr lang="en-CA" dirty="0" err="1">
-                <a:latin typeface="Menlo" panose="020B0609030804020204" pitchFamily="49" charset="0"/>
-                <a:ea typeface="Menlo" panose="020B0609030804020204" pitchFamily="49" charset="0"/>
-                <a:cs typeface="Menlo" panose="020B0609030804020204" pitchFamily="49" charset="0"/>
-              </a:rPr>
-              <a:t>np.array</a:t>
+              <a:t>): binary values with values of </a:t>
             </a:r>
             <a:r>
               <a:rPr lang="en-CA" dirty="0">
@@ -13919,15 +14046,15 @@
                 <a:ea typeface="Menlo" panose="020B0609030804020204" pitchFamily="49" charset="0"/>
                 <a:cs typeface="Menlo" panose="020B0609030804020204" pitchFamily="49" charset="0"/>
               </a:rPr>
-              <a:t>([1,2,3]), </a:t>
-            </a:r>
-            <a:r>
-              <a:rPr lang="en-CA" dirty="0" err="1">
-                <a:latin typeface="Menlo" panose="020B0609030804020204" pitchFamily="49" charset="0"/>
+              <a:t>True</a:t>
+            </a:r>
+            <a:r>
+              <a:rPr lang="en-CA" dirty="0">
+                <a:latin typeface="Gill Sans MT" panose="020B0502020104020203" pitchFamily="34" charset="77"/>
                 <a:ea typeface="Menlo" panose="020B0609030804020204" pitchFamily="49" charset="0"/>
                 <a:cs typeface="Menlo" panose="020B0609030804020204" pitchFamily="49" charset="0"/>
               </a:rPr>
-              <a:t>np.array</a:t>
+              <a:t> or </a:t>
             </a:r>
             <a:r>
               <a:rPr lang="en-CA" dirty="0">
@@ -13935,7 +14062,39 @@
                 <a:ea typeface="Menlo" panose="020B0609030804020204" pitchFamily="49" charset="0"/>
                 <a:cs typeface="Menlo" panose="020B0609030804020204" pitchFamily="49" charset="0"/>
               </a:rPr>
-              <a:t>([23, True, “Yes”])</a:t>
+              <a:t>False</a:t>
+            </a:r>
+            <a:r>
+              <a:rPr lang="en-CA" dirty="0">
+                <a:latin typeface="Gill Sans MT" panose="020B0502020104020203" pitchFamily="34" charset="77"/>
+                <a:ea typeface="Menlo" panose="020B0609030804020204" pitchFamily="49" charset="0"/>
+                <a:cs typeface="Menlo" panose="020B0609030804020204" pitchFamily="49" charset="0"/>
+              </a:rPr>
+              <a:t> (equivalent to </a:t>
+            </a:r>
+            <a:r>
+              <a:rPr lang="en-CA" dirty="0">
+                <a:latin typeface="Menlo" panose="020B0609030804020204" pitchFamily="49" charset="0"/>
+                <a:ea typeface="Menlo" panose="020B0609030804020204" pitchFamily="49" charset="0"/>
+                <a:cs typeface="Menlo" panose="020B0609030804020204" pitchFamily="49" charset="0"/>
+              </a:rPr>
+              <a:t>1</a:t>
+            </a:r>
+            <a:r>
+              <a:rPr lang="en-CA" dirty="0">
+                <a:latin typeface="Gill Sans MT" panose="020B0502020104020203" pitchFamily="34" charset="77"/>
+                <a:ea typeface="Menlo" panose="020B0609030804020204" pitchFamily="49" charset="0"/>
+                <a:cs typeface="Menlo" panose="020B0609030804020204" pitchFamily="49" charset="0"/>
+              </a:rPr>
+              <a:t> or </a:t>
+            </a:r>
+            <a:r>
+              <a:rPr lang="en-CA" dirty="0">
+                <a:latin typeface="Menlo" panose="020B0609030804020204" pitchFamily="49" charset="0"/>
+                <a:ea typeface="Menlo" panose="020B0609030804020204" pitchFamily="49" charset="0"/>
+                <a:cs typeface="Menlo" panose="020B0609030804020204" pitchFamily="49" charset="0"/>
+              </a:rPr>
+              <a:t>0</a:t>
             </a:r>
             <a:r>
               <a:rPr lang="en-CA" dirty="0">
@@ -14010,7 +14169,7 @@
           <p:cNvPr id="6" name="Rectangle 5">
             <a:extLst>
               <a:ext uri="{FF2B5EF4-FFF2-40B4-BE49-F238E27FC236}">
-                <a16:creationId xmlns:a16="http://schemas.microsoft.com/office/drawing/2014/main" id="{39F24911-53EB-A563-4298-5589FE2E9A6D}"/>
+                <a16:creationId xmlns:a16="http://schemas.microsoft.com/office/drawing/2014/main" id="{48DCB364-CF91-D821-C663-2A947ACCD077}"/>
               </a:ext>
             </a:extLst>
           </p:cNvPr>
@@ -14059,7 +14218,7 @@
           <p:cNvPr id="7" name="Rectangle 6">
             <a:extLst>
               <a:ext uri="{FF2B5EF4-FFF2-40B4-BE49-F238E27FC236}">
-                <a16:creationId xmlns:a16="http://schemas.microsoft.com/office/drawing/2014/main" id="{ACCD0386-2B99-D458-2761-54072324CBE6}"/>
+                <a16:creationId xmlns:a16="http://schemas.microsoft.com/office/drawing/2014/main" id="{46F7BCB4-44D9-7E99-5984-5E52B489B118}"/>
               </a:ext>
             </a:extLst>
           </p:cNvPr>
@@ -14109,7 +14268,7 @@
           <p:cNvPr id="8" name="Rectangle 7">
             <a:extLst>
               <a:ext uri="{FF2B5EF4-FFF2-40B4-BE49-F238E27FC236}">
-                <a16:creationId xmlns:a16="http://schemas.microsoft.com/office/drawing/2014/main" id="{0E74C7EF-3ACC-B545-D644-CA152C739738}"/>
+                <a16:creationId xmlns:a16="http://schemas.microsoft.com/office/drawing/2014/main" id="{4CB38C46-1ABB-31EC-12E1-BE0BA08F3B09}"/>
               </a:ext>
             </a:extLst>
           </p:cNvPr>
@@ -14156,7 +14315,7 @@
     </p:spTree>
     <p:extLst>
       <p:ext uri="{BB962C8B-B14F-4D97-AF65-F5344CB8AC3E}">
-        <p14:creationId xmlns:p14="http://schemas.microsoft.com/office/powerpoint/2010/main" val="3045631805"/>
+        <p14:creationId xmlns:p14="http://schemas.microsoft.com/office/powerpoint/2010/main" val="1493711832"/>
       </p:ext>
     </p:extLst>
   </p:cSld>
@@ -14235,7 +14394,7 @@
         </p:spPr>
         <p:txBody>
           <a:bodyPr>
-            <a:normAutofit lnSpcReduction="10000"/>
+            <a:normAutofit/>
           </a:bodyPr>
           <a:lstStyle/>
           <a:p>
@@ -14245,7 +14404,18 @@
                 <a:ea typeface="Menlo" panose="020B0609030804020204" pitchFamily="49" charset="0"/>
                 <a:cs typeface="Menlo" panose="020B0609030804020204" pitchFamily="49" charset="0"/>
               </a:rPr>
-              <a:t>You can determine a variable’s data type by calling </a:t>
+              <a:t>Other:</a:t>
+            </a:r>
+          </a:p>
+          <a:p>
+            <a:pPr lvl="1"/>
+            <a:r>
+              <a:rPr lang="en-CA" dirty="0">
+                <a:latin typeface="Gill Sans MT" panose="020B0502020104020203" pitchFamily="34" charset="77"/>
+                <a:ea typeface="Menlo" panose="020B0609030804020204" pitchFamily="49" charset="0"/>
+                <a:cs typeface="Menlo" panose="020B0609030804020204" pitchFamily="49" charset="0"/>
+              </a:rPr>
+              <a:t>String (</a:t>
             </a:r>
             <a:r>
               <a:rPr lang="en-CA" dirty="0">
@@ -14253,67 +14423,128 @@
                 <a:ea typeface="Menlo" panose="020B0609030804020204" pitchFamily="49" charset="0"/>
                 <a:cs typeface="Menlo" panose="020B0609030804020204" pitchFamily="49" charset="0"/>
               </a:rPr>
-              <a:t>type(var)</a:t>
-            </a:r>
-          </a:p>
-          <a:p>
+              <a:t>str</a:t>
+            </a:r>
             <a:r>
               <a:rPr lang="en-CA" dirty="0">
                 <a:latin typeface="Gill Sans MT" panose="020B0502020104020203" pitchFamily="34" charset="77"/>
                 <a:ea typeface="Menlo" panose="020B0609030804020204" pitchFamily="49" charset="0"/>
                 <a:cs typeface="Menlo" panose="020B0609030804020204" pitchFamily="49" charset="0"/>
               </a:rPr>
-              <a:t>Python isn’t too picky about combining data types – you can add an int to a float without any trouble</a:t>
-            </a:r>
-          </a:p>
-          <a:p>
+              <a:t>): text contained in quotes (</a:t>
+            </a:r>
+            <a:r>
+              <a:rPr lang="en-CA" dirty="0">
+                <a:latin typeface="Menlo" panose="020B0609030804020204" pitchFamily="49" charset="0"/>
+                <a:ea typeface="Menlo" panose="020B0609030804020204" pitchFamily="49" charset="0"/>
+                <a:cs typeface="Menlo" panose="020B0609030804020204" pitchFamily="49" charset="0"/>
+              </a:rPr>
+              <a:t>‘hello’, “World”, ‘Hello world.”</a:t>
+            </a:r>
             <a:r>
               <a:rPr lang="en-CA" dirty="0">
                 <a:latin typeface="Gill Sans MT" panose="020B0502020104020203" pitchFamily="34" charset="77"/>
                 <a:ea typeface="Menlo" panose="020B0609030804020204" pitchFamily="49" charset="0"/>
                 <a:cs typeface="Menlo" panose="020B0609030804020204" pitchFamily="49" charset="0"/>
               </a:rPr>
-              <a:t>Converting between types can be done manually – but results can be unexpected:</a:t>
+              <a:t>)</a:t>
             </a:r>
           </a:p>
           <a:p>
             <a:pPr lvl="1"/>
+            <a:r>
+              <a:rPr lang="en-CA" dirty="0">
+                <a:latin typeface="Gill Sans MT" panose="020B0502020104020203" pitchFamily="34" charset="77"/>
+                <a:ea typeface="Menlo" panose="020B0609030804020204" pitchFamily="49" charset="0"/>
+                <a:cs typeface="Menlo" panose="020B0609030804020204" pitchFamily="49" charset="0"/>
+              </a:rPr>
+              <a:t>Tuple (</a:t>
+            </a:r>
             <a:r>
               <a:rPr lang="en-CA" dirty="0">
                 <a:latin typeface="Menlo" panose="020B0609030804020204" pitchFamily="49" charset="0"/>
                 <a:ea typeface="Menlo" panose="020B0609030804020204" pitchFamily="49" charset="0"/>
                 <a:cs typeface="Menlo" panose="020B0609030804020204" pitchFamily="49" charset="0"/>
               </a:rPr>
-              <a:t>float(1) = 1.0</a:t>
-            </a:r>
-          </a:p>
-          <a:p>
-            <a:pPr lvl="1"/>
+              <a:t>tuple</a:t>
+            </a:r>
+            <a:r>
+              <a:rPr lang="en-CA" dirty="0">
+                <a:latin typeface="Gill Sans MT" panose="020B0502020104020203" pitchFamily="34" charset="77"/>
+                <a:ea typeface="Menlo" panose="020B0609030804020204" pitchFamily="49" charset="0"/>
+                <a:cs typeface="Menlo" panose="020B0609030804020204" pitchFamily="49" charset="0"/>
+              </a:rPr>
+              <a:t>): a set of objects which is immutable/read only – contained in round brackets (</a:t>
+            </a:r>
             <a:r>
               <a:rPr lang="en-CA" dirty="0">
                 <a:latin typeface="Menlo" panose="020B0609030804020204" pitchFamily="49" charset="0"/>
                 <a:ea typeface="Menlo" panose="020B0609030804020204" pitchFamily="49" charset="0"/>
                 <a:cs typeface="Menlo" panose="020B0609030804020204" pitchFamily="49" charset="0"/>
               </a:rPr>
-              <a:t>int(3.14159) = 3</a:t>
-            </a:r>
-          </a:p>
-          <a:p>
+              <a:t>(1,303,1.75), (“Hello”,False,-8.75)</a:t>
+            </a:r>
             <a:r>
               <a:rPr lang="en-CA" dirty="0">
                 <a:latin typeface="Gill Sans MT" panose="020B0502020104020203" pitchFamily="34" charset="77"/>
                 <a:ea typeface="Menlo" panose="020B0609030804020204" pitchFamily="49" charset="0"/>
                 <a:cs typeface="Menlo" panose="020B0609030804020204" pitchFamily="49" charset="0"/>
               </a:rPr>
-              <a:t>In general, for this workshop we’ll be working with floats in </a:t>
-            </a:r>
+              <a:t>)</a:t>
+            </a:r>
+          </a:p>
+          <a:p>
+            <a:pPr lvl="1"/>
+            <a:r>
+              <a:rPr lang="en-CA" dirty="0">
+                <a:latin typeface="Gill Sans MT" panose="020B0502020104020203" pitchFamily="34" charset="77"/>
+                <a:ea typeface="Menlo" panose="020B0609030804020204" pitchFamily="49" charset="0"/>
+                <a:cs typeface="Menlo" panose="020B0609030804020204" pitchFamily="49" charset="0"/>
+              </a:rPr>
+              <a:t>List (</a:t>
+            </a:r>
+            <a:r>
+              <a:rPr lang="en-CA" dirty="0">
+                <a:latin typeface="Menlo" panose="020B0609030804020204" pitchFamily="49" charset="0"/>
+                <a:ea typeface="Menlo" panose="020B0609030804020204" pitchFamily="49" charset="0"/>
+                <a:cs typeface="Menlo" panose="020B0609030804020204" pitchFamily="49" charset="0"/>
+              </a:rPr>
+              <a:t>list</a:t>
+            </a:r>
+            <a:r>
+              <a:rPr lang="en-CA" dirty="0">
+                <a:latin typeface="Gill Sans MT" panose="020B0502020104020203" pitchFamily="34" charset="77"/>
+                <a:ea typeface="Menlo" panose="020B0609030804020204" pitchFamily="49" charset="0"/>
+                <a:cs typeface="Menlo" panose="020B0609030804020204" pitchFamily="49" charset="0"/>
+              </a:rPr>
+              <a:t>): a set of objects which is changeable – contained in square brackets (</a:t>
+            </a:r>
+            <a:r>
+              <a:rPr lang="en-CA" dirty="0">
+                <a:latin typeface="Menlo" panose="020B0609030804020204" pitchFamily="49" charset="0"/>
+                <a:ea typeface="Menlo" panose="020B0609030804020204" pitchFamily="49" charset="0"/>
+                <a:cs typeface="Menlo" panose="020B0609030804020204" pitchFamily="49" charset="0"/>
+              </a:rPr>
+              <a:t>[1,2,3], [23, True, “Yes”]</a:t>
+            </a:r>
+            <a:r>
+              <a:rPr lang="en-CA" dirty="0">
+                <a:latin typeface="Gill Sans MT" panose="020B0502020104020203" pitchFamily="34" charset="77"/>
+                <a:ea typeface="Menlo" panose="020B0609030804020204" pitchFamily="49" charset="0"/>
+                <a:cs typeface="Menlo" panose="020B0609030804020204" pitchFamily="49" charset="0"/>
+              </a:rPr>
+              <a:t>)</a:t>
+            </a:r>
+          </a:p>
+          <a:p>
+            <a:pPr lvl="1"/>
             <a:r>
               <a:rPr lang="en-CA" dirty="0" err="1">
                 <a:latin typeface="Gill Sans MT" panose="020B0502020104020203" pitchFamily="34" charset="77"/>
                 <a:ea typeface="Menlo" panose="020B0609030804020204" pitchFamily="49" charset="0"/>
                 <a:cs typeface="Menlo" panose="020B0609030804020204" pitchFamily="49" charset="0"/>
               </a:rPr>
-              <a:t>numpy</a:t>
+              <a:t>Numpy</a:t>
             </a:r>
             <a:r>
               <a:rPr lang="en-CA" dirty="0">
@@ -14321,7 +14552,63 @@
                 <a:ea typeface="Menlo" panose="020B0609030804020204" pitchFamily="49" charset="0"/>
                 <a:cs typeface="Menlo" panose="020B0609030804020204" pitchFamily="49" charset="0"/>
               </a:rPr>
-              <a:t> arrays</a:t>
+              <a:t> array (</a:t>
+            </a:r>
+            <a:r>
+              <a:rPr lang="en-CA" dirty="0" err="1">
+                <a:latin typeface="Menlo" panose="020B0609030804020204" pitchFamily="49" charset="0"/>
+                <a:ea typeface="Menlo" panose="020B0609030804020204" pitchFamily="49" charset="0"/>
+                <a:cs typeface="Menlo" panose="020B0609030804020204" pitchFamily="49" charset="0"/>
+              </a:rPr>
+              <a:t>numpy.ndarray</a:t>
+            </a:r>
+            <a:r>
+              <a:rPr lang="en-CA" dirty="0">
+                <a:latin typeface="Gill Sans MT" panose="020B0502020104020203" pitchFamily="34" charset="77"/>
+                <a:ea typeface="Menlo" panose="020B0609030804020204" pitchFamily="49" charset="0"/>
+                <a:cs typeface="Menlo" panose="020B0609030804020204" pitchFamily="49" charset="0"/>
+              </a:rPr>
+              <a:t>): similar to list but a different implementation: (</a:t>
+            </a:r>
+            <a:r>
+              <a:rPr lang="en-CA" dirty="0" err="1">
+                <a:latin typeface="Menlo" panose="020B0609030804020204" pitchFamily="49" charset="0"/>
+                <a:ea typeface="Menlo" panose="020B0609030804020204" pitchFamily="49" charset="0"/>
+                <a:cs typeface="Menlo" panose="020B0609030804020204" pitchFamily="49" charset="0"/>
+              </a:rPr>
+              <a:t>np.array</a:t>
+            </a:r>
+            <a:r>
+              <a:rPr lang="en-CA" dirty="0">
+                <a:latin typeface="Menlo" panose="020B0609030804020204" pitchFamily="49" charset="0"/>
+                <a:ea typeface="Menlo" panose="020B0609030804020204" pitchFamily="49" charset="0"/>
+                <a:cs typeface="Menlo" panose="020B0609030804020204" pitchFamily="49" charset="0"/>
+              </a:rPr>
+              <a:t>([1,2,3]), </a:t>
+            </a:r>
+            <a:r>
+              <a:rPr lang="en-CA" dirty="0" err="1">
+                <a:latin typeface="Menlo" panose="020B0609030804020204" pitchFamily="49" charset="0"/>
+                <a:ea typeface="Menlo" panose="020B0609030804020204" pitchFamily="49" charset="0"/>
+                <a:cs typeface="Menlo" panose="020B0609030804020204" pitchFamily="49" charset="0"/>
+              </a:rPr>
+              <a:t>np.array</a:t>
+            </a:r>
+            <a:r>
+              <a:rPr lang="en-CA" dirty="0">
+                <a:latin typeface="Menlo" panose="020B0609030804020204" pitchFamily="49" charset="0"/>
+                <a:ea typeface="Menlo" panose="020B0609030804020204" pitchFamily="49" charset="0"/>
+                <a:cs typeface="Menlo" panose="020B0609030804020204" pitchFamily="49" charset="0"/>
+              </a:rPr>
+              <a:t>([23, True, “Yes”])</a:t>
+            </a:r>
+            <a:r>
+              <a:rPr lang="en-CA" dirty="0">
+                <a:latin typeface="Gill Sans MT" panose="020B0502020104020203" pitchFamily="34" charset="77"/>
+                <a:ea typeface="Menlo" panose="020B0609030804020204" pitchFamily="49" charset="0"/>
+                <a:cs typeface="Menlo" panose="020B0609030804020204" pitchFamily="49" charset="0"/>
+              </a:rPr>
+              <a:t>)</a:t>
             </a:r>
           </a:p>
         </p:txBody>
@@ -14388,7 +14675,7 @@
           <p:cNvPr id="6" name="Rectangle 5">
             <a:extLst>
               <a:ext uri="{FF2B5EF4-FFF2-40B4-BE49-F238E27FC236}">
-                <a16:creationId xmlns:a16="http://schemas.microsoft.com/office/drawing/2014/main" id="{EFCA1913-004C-CE66-66A5-79867781406A}"/>
+                <a16:creationId xmlns:a16="http://schemas.microsoft.com/office/drawing/2014/main" id="{39F24911-53EB-A563-4298-5589FE2E9A6D}"/>
               </a:ext>
             </a:extLst>
           </p:cNvPr>
@@ -14437,7 +14724,7 @@
           <p:cNvPr id="7" name="Rectangle 6">
             <a:extLst>
               <a:ext uri="{FF2B5EF4-FFF2-40B4-BE49-F238E27FC236}">
-                <a16:creationId xmlns:a16="http://schemas.microsoft.com/office/drawing/2014/main" id="{7DBD4755-AB29-9C51-409E-87F61D700CA8}"/>
+                <a16:creationId xmlns:a16="http://schemas.microsoft.com/office/drawing/2014/main" id="{ACCD0386-2B99-D458-2761-54072324CBE6}"/>
               </a:ext>
             </a:extLst>
           </p:cNvPr>
@@ -14487,7 +14774,7 @@
           <p:cNvPr id="8" name="Rectangle 7">
             <a:extLst>
               <a:ext uri="{FF2B5EF4-FFF2-40B4-BE49-F238E27FC236}">
-                <a16:creationId xmlns:a16="http://schemas.microsoft.com/office/drawing/2014/main" id="{DAC0B846-5AE4-5F50-C4B2-A9CBAE1B411F}"/>
+                <a16:creationId xmlns:a16="http://schemas.microsoft.com/office/drawing/2014/main" id="{0E74C7EF-3ACC-B545-D644-CA152C739738}"/>
               </a:ext>
             </a:extLst>
           </p:cNvPr>
@@ -14534,7 +14821,7 @@
     </p:spTree>
     <p:extLst>
       <p:ext uri="{BB962C8B-B14F-4D97-AF65-F5344CB8AC3E}">
-        <p14:creationId xmlns:p14="http://schemas.microsoft.com/office/powerpoint/2010/main" val="3684179408"/>
+        <p14:creationId xmlns:p14="http://schemas.microsoft.com/office/powerpoint/2010/main" val="3045631805"/>
       </p:ext>
     </p:extLst>
   </p:cSld>
@@ -14584,7 +14871,7 @@
           <a:p>
             <a:r>
               <a:rPr lang="en-CA" dirty="0"/>
-              <a:t>Python basics – Helpful tips</a:t>
+              <a:t>Python basics – Data types cont’d</a:t>
             </a:r>
           </a:p>
         </p:txBody>
@@ -14607,66 +14894,99 @@
         </p:nvSpPr>
         <p:spPr>
           <a:xfrm>
-            <a:off x="581192" y="2180497"/>
-            <a:ext cx="11029615" cy="1897730"/>
+            <a:off x="581192" y="2180496"/>
+            <a:ext cx="11029615" cy="4258994"/>
           </a:xfrm>
         </p:spPr>
         <p:txBody>
           <a:bodyPr>
-            <a:normAutofit/>
+            <a:normAutofit lnSpcReduction="10000"/>
           </a:bodyPr>
           <a:lstStyle/>
           <a:p>
+            <a:r>
+              <a:rPr lang="en-CA" dirty="0">
+                <a:latin typeface="Gill Sans MT" panose="020B0502020104020203" pitchFamily="34" charset="77"/>
+                <a:ea typeface="Menlo" panose="020B0609030804020204" pitchFamily="49" charset="0"/>
+                <a:cs typeface="Menlo" panose="020B0609030804020204" pitchFamily="49" charset="0"/>
+              </a:rPr>
+              <a:t>You can determine a variable’s data type by calling </a:t>
+            </a:r>
             <a:r>
               <a:rPr lang="en-CA" dirty="0">
                 <a:latin typeface="Menlo" panose="020B0609030804020204" pitchFamily="49" charset="0"/>
                 <a:ea typeface="Menlo" panose="020B0609030804020204" pitchFamily="49" charset="0"/>
                 <a:cs typeface="Menlo" panose="020B0609030804020204" pitchFamily="49" charset="0"/>
               </a:rPr>
-              <a:t>help() </a:t>
-            </a:r>
+              <a:t>type(var)</a:t>
+            </a:r>
+          </a:p>
+          <a:p>
             <a:r>
               <a:rPr lang="en-CA" dirty="0">
                 <a:latin typeface="Gill Sans MT" panose="020B0502020104020203" pitchFamily="34" charset="77"/>
+                <a:ea typeface="Menlo" panose="020B0609030804020204" pitchFamily="49" charset="0"/>
+                <a:cs typeface="Menlo" panose="020B0609030804020204" pitchFamily="49" charset="0"/>
               </a:rPr>
-              <a:t>is your friend!</a:t>
-            </a:r>
-          </a:p>
-          <a:p>
-            <a:pPr lvl="1"/>
+              <a:t>Python isn’t too picky about combining data types – you can add an int to a float without any trouble</a:t>
+            </a:r>
+          </a:p>
+          <a:p>
             <a:r>
               <a:rPr lang="en-CA" dirty="0">
                 <a:latin typeface="Gill Sans MT" panose="020B0502020104020203" pitchFamily="34" charset="77"/>
+                <a:ea typeface="Menlo" panose="020B0609030804020204" pitchFamily="49" charset="0"/>
+                <a:cs typeface="Menlo" panose="020B0609030804020204" pitchFamily="49" charset="0"/>
               </a:rPr>
-              <a:t>If you’re unsure about what a </a:t>
-            </a:r>
+              <a:t>Converting between types can be done manually – but results can be unexpected:</a:t>
+            </a:r>
+          </a:p>
+          <a:p>
+            <a:pPr lvl="1"/>
             <a:r>
               <a:rPr lang="en-CA" dirty="0">
                 <a:latin typeface="Menlo" panose="020B0609030804020204" pitchFamily="49" charset="0"/>
                 <a:ea typeface="Menlo" panose="020B0609030804020204" pitchFamily="49" charset="0"/>
                 <a:cs typeface="Menlo" panose="020B0609030804020204" pitchFamily="49" charset="0"/>
               </a:rPr>
-              <a:t>function</a:t>
-            </a:r>
-            <a:r>
-              <a:rPr lang="en-CA" dirty="0">
-                <a:latin typeface="Gill Sans MT" panose="020B0502020104020203" pitchFamily="34" charset="77"/>
-              </a:rPr>
-              <a:t> does or what the input syntax looks like, you can call </a:t>
-            </a:r>
+              <a:t>float(1) = 1.0</a:t>
+            </a:r>
+          </a:p>
+          <a:p>
+            <a:pPr lvl="1"/>
             <a:r>
               <a:rPr lang="en-CA" dirty="0">
                 <a:latin typeface="Menlo" panose="020B0609030804020204" pitchFamily="49" charset="0"/>
                 <a:ea typeface="Menlo" panose="020B0609030804020204" pitchFamily="49" charset="0"/>
                 <a:cs typeface="Menlo" panose="020B0609030804020204" pitchFamily="49" charset="0"/>
               </a:rPr>
-              <a:t>help(function) </a:t>
-            </a:r>
+              <a:t>int(3.14159) = 3</a:t>
+            </a:r>
+          </a:p>
+          <a:p>
             <a:r>
               <a:rPr lang="en-CA" dirty="0">
                 <a:latin typeface="Gill Sans MT" panose="020B0502020104020203" pitchFamily="34" charset="77"/>
+                <a:ea typeface="Menlo" panose="020B0609030804020204" pitchFamily="49" charset="0"/>
+                <a:cs typeface="Menlo" panose="020B0609030804020204" pitchFamily="49" charset="0"/>
               </a:rPr>
-              <a:t>and you’ll get a printout like this:</a:t>
+              <a:t>In general, for this workshop we’ll be working with floats in </a:t>
+            </a:r>
+            <a:r>
+              <a:rPr lang="en-CA" dirty="0" err="1">
+                <a:latin typeface="Gill Sans MT" panose="020B0502020104020203" pitchFamily="34" charset="77"/>
+                <a:ea typeface="Menlo" panose="020B0609030804020204" pitchFamily="49" charset="0"/>
+                <a:cs typeface="Menlo" panose="020B0609030804020204" pitchFamily="49" charset="0"/>
+              </a:rPr>
+              <a:t>numpy</a:t>
+            </a:r>
+            <a:r>
+              <a:rPr lang="en-CA" dirty="0">
+                <a:latin typeface="Gill Sans MT" panose="020B0502020104020203" pitchFamily="34" charset="77"/>
+                <a:ea typeface="Menlo" panose="020B0609030804020204" pitchFamily="49" charset="0"/>
+                <a:cs typeface="Menlo" panose="020B0609030804020204" pitchFamily="49" charset="0"/>
+              </a:rPr>
+              <a:t> arrays</a:t>
             </a:r>
           </a:p>
         </p:txBody>
@@ -14728,42 +15048,12 @@
           </a:p>
         </p:txBody>
       </p:sp>
-      <p:pic>
-        <p:nvPicPr>
-          <p:cNvPr id="7" name="Picture 6" descr="A screenshot of a computer&#10;&#10;Description automatically generated">
+      <p:sp>
+        <p:nvSpPr>
+          <p:cNvPr id="6" name="Rectangle 5">
             <a:extLst>
               <a:ext uri="{FF2B5EF4-FFF2-40B4-BE49-F238E27FC236}">
-                <a16:creationId xmlns:a16="http://schemas.microsoft.com/office/drawing/2014/main" id="{1F14B093-1FBF-0291-E7C1-B8A3B10A6440}"/>
-              </a:ext>
-            </a:extLst>
-          </p:cNvPr>
-          <p:cNvPicPr>
-            <a:picLocks noChangeAspect="1"/>
-          </p:cNvPicPr>
-          <p:nvPr/>
-        </p:nvPicPr>
-        <p:blipFill>
-          <a:blip r:embed="rId2"/>
-          <a:stretch>
-            <a:fillRect/>
-          </a:stretch>
-        </p:blipFill>
-        <p:spPr>
-          <a:xfrm>
-            <a:off x="2209799" y="4194378"/>
-            <a:ext cx="7772400" cy="2128961"/>
-          </a:xfrm>
-          <a:prstGeom prst="rect">
-            <a:avLst/>
-          </a:prstGeom>
-        </p:spPr>
-      </p:pic>
-      <p:sp>
-        <p:nvSpPr>
-          <p:cNvPr id="8" name="Rectangle 7">
-            <a:extLst>
-              <a:ext uri="{FF2B5EF4-FFF2-40B4-BE49-F238E27FC236}">
-                <a16:creationId xmlns:a16="http://schemas.microsoft.com/office/drawing/2014/main" id="{03FE2EAB-8828-B035-7F58-6FD0FE1F56FE}"/>
+                <a16:creationId xmlns:a16="http://schemas.microsoft.com/office/drawing/2014/main" id="{EFCA1913-004C-CE66-66A5-79867781406A}"/>
               </a:ext>
             </a:extLst>
           </p:cNvPr>
@@ -14809,10 +15099,10 @@
       </p:sp>
       <p:sp>
         <p:nvSpPr>
-          <p:cNvPr id="9" name="Rectangle 8">
+          <p:cNvPr id="7" name="Rectangle 6">
             <a:extLst>
               <a:ext uri="{FF2B5EF4-FFF2-40B4-BE49-F238E27FC236}">
-                <a16:creationId xmlns:a16="http://schemas.microsoft.com/office/drawing/2014/main" id="{367F4A75-0FBD-8BBB-23FA-4E3B2A027D45}"/>
+                <a16:creationId xmlns:a16="http://schemas.microsoft.com/office/drawing/2014/main" id="{7DBD4755-AB29-9C51-409E-87F61D700CA8}"/>
               </a:ext>
             </a:extLst>
           </p:cNvPr>
@@ -14859,10 +15149,10 @@
       </p:sp>
       <p:sp>
         <p:nvSpPr>
-          <p:cNvPr id="10" name="Rectangle 9">
+          <p:cNvPr id="8" name="Rectangle 7">
             <a:extLst>
               <a:ext uri="{FF2B5EF4-FFF2-40B4-BE49-F238E27FC236}">
-                <a16:creationId xmlns:a16="http://schemas.microsoft.com/office/drawing/2014/main" id="{8D95C908-6696-7AEF-C878-5921780C2025}"/>
+                <a16:creationId xmlns:a16="http://schemas.microsoft.com/office/drawing/2014/main" id="{DAC0B846-5AE4-5F50-C4B2-A9CBAE1B411F}"/>
               </a:ext>
             </a:extLst>
           </p:cNvPr>
@@ -14909,7 +15199,7 @@
     </p:spTree>
     <p:extLst>
       <p:ext uri="{BB962C8B-B14F-4D97-AF65-F5344CB8AC3E}">
-        <p14:creationId xmlns:p14="http://schemas.microsoft.com/office/powerpoint/2010/main" val="700075944"/>
+        <p14:creationId xmlns:p14="http://schemas.microsoft.com/office/powerpoint/2010/main" val="3684179408"/>
       </p:ext>
     </p:extLst>
   </p:cSld>
@@ -14980,42 +15270,69 @@
             <p:ph idx="1"/>
           </p:nvPr>
         </p:nvSpPr>
-        <p:spPr/>
-        <p:txBody>
-          <a:bodyPr/>
+        <p:spPr>
+          <a:xfrm>
+            <a:off x="581192" y="2180497"/>
+            <a:ext cx="11029615" cy="1897730"/>
+          </a:xfrm>
+        </p:spPr>
+        <p:txBody>
+          <a:bodyPr>
+            <a:normAutofit/>
+          </a:bodyPr>
           <a:lstStyle/>
           <a:p>
             <a:r>
               <a:rPr lang="en-CA" dirty="0">
-                <a:latin typeface="Gill Sans MT" panose="020B0502020104020203" pitchFamily="34" charset="77"/>
+                <a:latin typeface="Menlo" panose="020B0609030804020204" pitchFamily="49" charset="0"/>
                 <a:ea typeface="Menlo" panose="020B0609030804020204" pitchFamily="49" charset="0"/>
                 <a:cs typeface="Menlo" panose="020B0609030804020204" pitchFamily="49" charset="0"/>
               </a:rPr>
-              <a:t>Python is picky about spaces and indenting!</a:t>
-            </a:r>
-          </a:p>
-          <a:p>
+              <a:t>help() </a:t>
+            </a:r>
             <a:r>
               <a:rPr lang="en-CA" dirty="0">
                 <a:latin typeface="Gill Sans MT" panose="020B0502020104020203" pitchFamily="34" charset="77"/>
+              </a:rPr>
+              <a:t>is your friend!</a:t>
+            </a:r>
+          </a:p>
+          <a:p>
+            <a:pPr lvl="1"/>
+            <a:r>
+              <a:rPr lang="en-CA" dirty="0">
+                <a:latin typeface="Gill Sans MT" panose="020B0502020104020203" pitchFamily="34" charset="77"/>
+              </a:rPr>
+              <a:t>If you’re unsure about what a </a:t>
+            </a:r>
+            <a:r>
+              <a:rPr lang="en-CA" dirty="0">
+                <a:latin typeface="Menlo" panose="020B0609030804020204" pitchFamily="49" charset="0"/>
                 <a:ea typeface="Menlo" panose="020B0609030804020204" pitchFamily="49" charset="0"/>
                 <a:cs typeface="Menlo" panose="020B0609030804020204" pitchFamily="49" charset="0"/>
               </a:rPr>
-              <a:t>Indents are represented by four spaces</a:t>
-            </a:r>
-          </a:p>
-          <a:p>
+              <a:t>function</a:t>
+            </a:r>
             <a:r>
               <a:rPr lang="en-CA" dirty="0">
                 <a:latin typeface="Gill Sans MT" panose="020B0502020104020203" pitchFamily="34" charset="77"/>
+              </a:rPr>
+              <a:t> does or what the input syntax looks like, you can call </a:t>
+            </a:r>
+            <a:r>
+              <a:rPr lang="en-CA" dirty="0">
+                <a:latin typeface="Menlo" panose="020B0609030804020204" pitchFamily="49" charset="0"/>
                 <a:ea typeface="Menlo" panose="020B0609030804020204" pitchFamily="49" charset="0"/>
                 <a:cs typeface="Menlo" panose="020B0609030804020204" pitchFamily="49" charset="0"/>
               </a:rPr>
-              <a:t>When writing functions or loops, be very careful to make sure things are indented correctly, or you might get errors or unexpected results</a:t>
-            </a:r>
-            <a:endParaRPr lang="en-CA" dirty="0">
-              <a:latin typeface="Gill Sans MT" panose="020B0502020104020203" pitchFamily="34" charset="77"/>
-            </a:endParaRPr>
+              <a:t>help(function) </a:t>
+            </a:r>
+            <a:r>
+              <a:rPr lang="en-CA" dirty="0">
+                <a:latin typeface="Gill Sans MT" panose="020B0502020104020203" pitchFamily="34" charset="77"/>
+              </a:rPr>
+              <a:t>and you’ll get a printout like this:</a:t>
+            </a:r>
           </a:p>
         </p:txBody>
       </p:sp>
@@ -15076,12 +15393,42 @@
           </a:p>
         </p:txBody>
       </p:sp>
-      <p:sp>
-        <p:nvSpPr>
-          <p:cNvPr id="6" name="Rectangle 5">
+      <p:pic>
+        <p:nvPicPr>
+          <p:cNvPr id="7" name="Picture 6" descr="A screenshot of a computer&#10;&#10;Description automatically generated">
             <a:extLst>
               <a:ext uri="{FF2B5EF4-FFF2-40B4-BE49-F238E27FC236}">
-                <a16:creationId xmlns:a16="http://schemas.microsoft.com/office/drawing/2014/main" id="{10E5499D-6DA4-23ED-0692-7960A4DE6066}"/>
+                <a16:creationId xmlns:a16="http://schemas.microsoft.com/office/drawing/2014/main" id="{1F14B093-1FBF-0291-E7C1-B8A3B10A6440}"/>
+              </a:ext>
+            </a:extLst>
+          </p:cNvPr>
+          <p:cNvPicPr>
+            <a:picLocks noChangeAspect="1"/>
+          </p:cNvPicPr>
+          <p:nvPr/>
+        </p:nvPicPr>
+        <p:blipFill>
+          <a:blip r:embed="rId2"/>
+          <a:stretch>
+            <a:fillRect/>
+          </a:stretch>
+        </p:blipFill>
+        <p:spPr>
+          <a:xfrm>
+            <a:off x="2209799" y="4194378"/>
+            <a:ext cx="7772400" cy="2128961"/>
+          </a:xfrm>
+          <a:prstGeom prst="rect">
+            <a:avLst/>
+          </a:prstGeom>
+        </p:spPr>
+      </p:pic>
+      <p:sp>
+        <p:nvSpPr>
+          <p:cNvPr id="8" name="Rectangle 7">
+            <a:extLst>
+              <a:ext uri="{FF2B5EF4-FFF2-40B4-BE49-F238E27FC236}">
+                <a16:creationId xmlns:a16="http://schemas.microsoft.com/office/drawing/2014/main" id="{03FE2EAB-8828-B035-7F58-6FD0FE1F56FE}"/>
               </a:ext>
             </a:extLst>
           </p:cNvPr>
@@ -15127,10 +15474,10 @@
       </p:sp>
       <p:sp>
         <p:nvSpPr>
-          <p:cNvPr id="7" name="Rectangle 6">
+          <p:cNvPr id="9" name="Rectangle 8">
             <a:extLst>
               <a:ext uri="{FF2B5EF4-FFF2-40B4-BE49-F238E27FC236}">
-                <a16:creationId xmlns:a16="http://schemas.microsoft.com/office/drawing/2014/main" id="{29ACD2B7-5D40-617D-0DFD-65D887158269}"/>
+                <a16:creationId xmlns:a16="http://schemas.microsoft.com/office/drawing/2014/main" id="{367F4A75-0FBD-8BBB-23FA-4E3B2A027D45}"/>
               </a:ext>
             </a:extLst>
           </p:cNvPr>
@@ -15177,10 +15524,10 @@
       </p:sp>
       <p:sp>
         <p:nvSpPr>
-          <p:cNvPr id="8" name="Rectangle 7">
+          <p:cNvPr id="10" name="Rectangle 9">
             <a:extLst>
               <a:ext uri="{FF2B5EF4-FFF2-40B4-BE49-F238E27FC236}">
-                <a16:creationId xmlns:a16="http://schemas.microsoft.com/office/drawing/2014/main" id="{E05EBD4E-4201-1DB5-8EB2-A6E09FA404CE}"/>
+                <a16:creationId xmlns:a16="http://schemas.microsoft.com/office/drawing/2014/main" id="{8D95C908-6696-7AEF-C878-5921780C2025}"/>
               </a:ext>
             </a:extLst>
           </p:cNvPr>
@@ -15227,7 +15574,7 @@
     </p:spTree>
     <p:extLst>
       <p:ext uri="{BB962C8B-B14F-4D97-AF65-F5344CB8AC3E}">
-        <p14:creationId xmlns:p14="http://schemas.microsoft.com/office/powerpoint/2010/main" val="893246959"/>
+        <p14:creationId xmlns:p14="http://schemas.microsoft.com/office/powerpoint/2010/main" val="700075944"/>
       </p:ext>
     </p:extLst>
   </p:cSld>
